--- a/5_Donem_Ders_Notlari/AA/DersNotu/3_Hafta-Algoritma-Analizi_Master_Divide-and-Conquer (2).pptx
+++ b/5_Donem_Ders_Notlari/AA/DersNotu/3_Hafta-Algoritma-Analizi_Master_Divide-and-Conquer (2).pptx
@@ -5,17 +5,15 @@
     <p:sldMasterId id="2147483648" r:id="rId1"/>
   </p:sldMasterIdLst>
   <p:notesMasterIdLst>
-    <p:notesMasterId r:id="rId10"/>
+    <p:notesMasterId r:id="rId8"/>
   </p:notesMasterIdLst>
   <p:sldIdLst>
     <p:sldId id="256" r:id="rId2"/>
-    <p:sldId id="257" r:id="rId3"/>
-    <p:sldId id="296" r:id="rId4"/>
-    <p:sldId id="297" r:id="rId5"/>
-    <p:sldId id="314" r:id="rId6"/>
-    <p:sldId id="316" r:id="rId7"/>
-    <p:sldId id="319" r:id="rId8"/>
-    <p:sldId id="320" r:id="rId9"/>
+    <p:sldId id="296" r:id="rId3"/>
+    <p:sldId id="298" r:id="rId4"/>
+    <p:sldId id="316" r:id="rId5"/>
+    <p:sldId id="319" r:id="rId6"/>
+    <p:sldId id="320" r:id="rId7"/>
   </p:sldIdLst>
   <p:sldSz cx="9144000" cy="6858000" type="screen4x3"/>
   <p:notesSz cx="9144000" cy="6858000"/>
@@ -215,7 +213,7 @@
           <a:p>
             <a:fld id="{51A062BD-8B9B-461F-A40A-A28C75CBABAF}" type="datetimeFigureOut">
               <a:rPr lang="tr-TR" smtClean="0"/>
-              <a:t>19.11.2024</a:t>
+              <a:t>14.01.2025</a:t>
             </a:fld>
             <a:endParaRPr lang="tr-TR"/>
           </a:p>
@@ -556,7 +554,7 @@
     </p:spTree>
     <p:extLst>
       <p:ext uri="{BB962C8B-B14F-4D97-AF65-F5344CB8AC3E}">
-        <p14:creationId xmlns:p14="http://schemas.microsoft.com/office/powerpoint/2010/main" val="3999412503"/>
+        <p14:creationId xmlns:p14="http://schemas.microsoft.com/office/powerpoint/2010/main" val="2430125196"/>
       </p:ext>
     </p:extLst>
   </p:cSld>
@@ -640,175 +638,7 @@
     </p:spTree>
     <p:extLst>
       <p:ext uri="{BB962C8B-B14F-4D97-AF65-F5344CB8AC3E}">
-        <p14:creationId xmlns:p14="http://schemas.microsoft.com/office/powerpoint/2010/main" val="2430125196"/>
-      </p:ext>
-    </p:extLst>
-  </p:cSld>
-  <p:clrMapOvr>
-    <a:masterClrMapping/>
-  </p:clrMapOvr>
-</p:notes>
-</file>
-
-<file path=ppt/notesSlides/notesSlide3.xml><?xml version="1.0" encoding="utf-8"?>
-<p:notes xmlns:a="http://schemas.openxmlformats.org/drawingml/2006/main" xmlns:r="http://schemas.openxmlformats.org/officeDocument/2006/relationships" xmlns:p="http://schemas.openxmlformats.org/presentationml/2006/main">
-  <p:cSld>
-    <p:spTree>
-      <p:nvGrpSpPr>
-        <p:cNvPr id="1" name=""/>
-        <p:cNvGrpSpPr/>
-        <p:nvPr/>
-      </p:nvGrpSpPr>
-      <p:grpSpPr>
-        <a:xfrm>
-          <a:off x="0" y="0"/>
-          <a:ext cx="0" cy="0"/>
-          <a:chOff x="0" y="0"/>
-          <a:chExt cx="0" cy="0"/>
-        </a:xfrm>
-      </p:grpSpPr>
-      <p:sp>
-        <p:nvSpPr>
-          <p:cNvPr id="2" name="Slayt Görüntüsü Yer Tutucusu 1"/>
-          <p:cNvSpPr>
-            <a:spLocks noGrp="1" noRot="1" noChangeAspect="1"/>
-          </p:cNvSpPr>
-          <p:nvPr>
-            <p:ph type="sldImg"/>
-          </p:nvPr>
-        </p:nvSpPr>
-        <p:spPr/>
-      </p:sp>
-      <p:sp>
-        <p:nvSpPr>
-          <p:cNvPr id="3" name="Not Yer Tutucusu 2"/>
-          <p:cNvSpPr>
-            <a:spLocks noGrp="1"/>
-          </p:cNvSpPr>
-          <p:nvPr>
-            <p:ph type="body" idx="1"/>
-          </p:nvPr>
-        </p:nvSpPr>
-        <p:spPr/>
-        <p:txBody>
-          <a:bodyPr/>
-          <a:lstStyle/>
-          <a:p>
-            <a:endParaRPr lang="tr-TR" dirty="0"/>
-          </a:p>
-        </p:txBody>
-      </p:sp>
-      <p:sp>
-        <p:nvSpPr>
-          <p:cNvPr id="4" name="Slayt Numarası Yer Tutucusu 3"/>
-          <p:cNvSpPr>
-            <a:spLocks noGrp="1"/>
-          </p:cNvSpPr>
-          <p:nvPr>
-            <p:ph type="sldNum" sz="quarter" idx="10"/>
-          </p:nvPr>
-        </p:nvSpPr>
-        <p:spPr/>
-        <p:txBody>
-          <a:bodyPr/>
-          <a:lstStyle/>
-          <a:p>
-            <a:fld id="{C6F5B8C4-4518-4FE1-A085-A797BDEB5F48}" type="slidenum">
-              <a:rPr lang="tr-TR" smtClean="0"/>
-              <a:t>4</a:t>
-            </a:fld>
-            <a:endParaRPr lang="tr-TR"/>
-          </a:p>
-        </p:txBody>
-      </p:sp>
-    </p:spTree>
-    <p:extLst>
-      <p:ext uri="{BB962C8B-B14F-4D97-AF65-F5344CB8AC3E}">
-        <p14:creationId xmlns:p14="http://schemas.microsoft.com/office/powerpoint/2010/main" val="2228142448"/>
-      </p:ext>
-    </p:extLst>
-  </p:cSld>
-  <p:clrMapOvr>
-    <a:masterClrMapping/>
-  </p:clrMapOvr>
-</p:notes>
-</file>
-
-<file path=ppt/notesSlides/notesSlide4.xml><?xml version="1.0" encoding="utf-8"?>
-<p:notes xmlns:a="http://schemas.openxmlformats.org/drawingml/2006/main" xmlns:r="http://schemas.openxmlformats.org/officeDocument/2006/relationships" xmlns:p="http://schemas.openxmlformats.org/presentationml/2006/main">
-  <p:cSld>
-    <p:spTree>
-      <p:nvGrpSpPr>
-        <p:cNvPr id="1" name=""/>
-        <p:cNvGrpSpPr/>
-        <p:nvPr/>
-      </p:nvGrpSpPr>
-      <p:grpSpPr>
-        <a:xfrm>
-          <a:off x="0" y="0"/>
-          <a:ext cx="0" cy="0"/>
-          <a:chOff x="0" y="0"/>
-          <a:chExt cx="0" cy="0"/>
-        </a:xfrm>
-      </p:grpSpPr>
-      <p:sp>
-        <p:nvSpPr>
-          <p:cNvPr id="2" name="Slayt Görüntüsü Yer Tutucusu 1"/>
-          <p:cNvSpPr>
-            <a:spLocks noGrp="1" noRot="1" noChangeAspect="1"/>
-          </p:cNvSpPr>
-          <p:nvPr>
-            <p:ph type="sldImg"/>
-          </p:nvPr>
-        </p:nvSpPr>
-        <p:spPr/>
-      </p:sp>
-      <p:sp>
-        <p:nvSpPr>
-          <p:cNvPr id="3" name="Not Yer Tutucusu 2"/>
-          <p:cNvSpPr>
-            <a:spLocks noGrp="1"/>
-          </p:cNvSpPr>
-          <p:nvPr>
-            <p:ph type="body" idx="1"/>
-          </p:nvPr>
-        </p:nvSpPr>
-        <p:spPr/>
-        <p:txBody>
-          <a:bodyPr/>
-          <a:lstStyle/>
-          <a:p>
-            <a:endParaRPr lang="tr-TR" dirty="0"/>
-          </a:p>
-        </p:txBody>
-      </p:sp>
-      <p:sp>
-        <p:nvSpPr>
-          <p:cNvPr id="4" name="Slayt Numarası Yer Tutucusu 3"/>
-          <p:cNvSpPr>
-            <a:spLocks noGrp="1"/>
-          </p:cNvSpPr>
-          <p:nvPr>
-            <p:ph type="sldNum" sz="quarter" idx="10"/>
-          </p:nvPr>
-        </p:nvSpPr>
-        <p:spPr/>
-        <p:txBody>
-          <a:bodyPr/>
-          <a:lstStyle/>
-          <a:p>
-            <a:fld id="{C6F5B8C4-4518-4FE1-A085-A797BDEB5F48}" type="slidenum">
-              <a:rPr lang="tr-TR" smtClean="0"/>
-              <a:t>5</a:t>
-            </a:fld>
-            <a:endParaRPr lang="tr-TR"/>
-          </a:p>
-        </p:txBody>
-      </p:sp>
-    </p:spTree>
-    <p:extLst>
-      <p:ext uri="{BB962C8B-B14F-4D97-AF65-F5344CB8AC3E}">
-        <p14:creationId xmlns:p14="http://schemas.microsoft.com/office/powerpoint/2010/main" val="1293447302"/>
+        <p14:creationId xmlns:p14="http://schemas.microsoft.com/office/powerpoint/2010/main" val="1546542643"/>
       </p:ext>
     </p:extLst>
   </p:cSld>
@@ -957,7 +787,7 @@
           <a:p>
             <a:fld id="{1D8BD707-D9CF-40AE-B4C6-C98DA3205C09}" type="datetimeFigureOut">
               <a:rPr lang="en-US"/>
-              <a:t>11/19/2024</a:t>
+              <a:t>1/14/2025</a:t>
             </a:fld>
             <a:endParaRPr lang="en-US"/>
           </a:p>
@@ -1134,7 +964,7 @@
           <a:p>
             <a:fld id="{1D8BD707-D9CF-40AE-B4C6-C98DA3205C09}" type="datetimeFigureOut">
               <a:rPr lang="en-US"/>
-              <a:t>11/19/2024</a:t>
+              <a:t>1/14/2025</a:t>
             </a:fld>
             <a:endParaRPr lang="en-US"/>
           </a:p>
@@ -1348,7 +1178,7 @@
           <a:p>
             <a:fld id="{1D8BD707-D9CF-40AE-B4C6-C98DA3205C09}" type="datetimeFigureOut">
               <a:rPr lang="en-US"/>
-              <a:t>11/19/2024</a:t>
+              <a:t>1/14/2025</a:t>
             </a:fld>
             <a:endParaRPr lang="en-US"/>
           </a:p>
@@ -1496,7 +1326,7 @@
           <a:p>
             <a:fld id="{1D8BD707-D9CF-40AE-B4C6-C98DA3205C09}" type="datetimeFigureOut">
               <a:rPr lang="en-US"/>
-              <a:t>11/19/2024</a:t>
+              <a:t>1/14/2025</a:t>
             </a:fld>
             <a:endParaRPr lang="en-US"/>
           </a:p>
@@ -2348,7 +2178,7 @@
           <a:p>
             <a:fld id="{1D8BD707-D9CF-40AE-B4C6-C98DA3205C09}" type="datetimeFigureOut">
               <a:rPr lang="en-US"/>
-              <a:t>11/19/2024</a:t>
+              <a:t>1/14/2025</a:t>
             </a:fld>
             <a:endParaRPr lang="en-US"/>
           </a:p>
@@ -7100,7 +6930,7 @@
           <a:p>
             <a:fld id="{1D8BD707-D9CF-40AE-B4C6-C98DA3205C09}" type="datetimeFigureOut">
               <a:rPr lang="en-US"/>
-              <a:t>11/19/2024</a:t>
+              <a:t>1/14/2025</a:t>
             </a:fld>
             <a:endParaRPr lang="en-US"/>
           </a:p>
@@ -7548,1045 +7378,6 @@
         </p:nvSpPr>
         <p:spPr>
           <a:xfrm>
-            <a:off x="1121765" y="1110741"/>
-            <a:ext cx="5619750" cy="513715"/>
-          </a:xfrm>
-          <a:prstGeom prst="rect">
-            <a:avLst/>
-          </a:prstGeom>
-        </p:spPr>
-        <p:txBody>
-          <a:bodyPr vert="horz" wrap="square" lIns="0" tIns="13335" rIns="0" bIns="0" rtlCol="0">
-            <a:spAutoFit/>
-          </a:bodyPr>
-          <a:lstStyle/>
-          <a:p>
-            <a:pPr marL="12700">
-              <a:lnSpc>
-                <a:spcPct val="100000"/>
-              </a:lnSpc>
-              <a:spcBef>
-                <a:spcPts val="105"/>
-              </a:spcBef>
-            </a:pPr>
-            <a:r>
-              <a:rPr sz="3200" dirty="0"/>
-              <a:t>Ana </a:t>
-            </a:r>
-            <a:r>
-              <a:rPr sz="3200" spc="-15" dirty="0"/>
-              <a:t>Metod </a:t>
-            </a:r>
-            <a:r>
-              <a:rPr sz="3200" spc="-5" dirty="0"/>
-              <a:t>(The </a:t>
-            </a:r>
-            <a:r>
-              <a:rPr sz="3200" spc="-15" dirty="0"/>
-              <a:t>Master</a:t>
-            </a:r>
-            <a:r>
-              <a:rPr sz="3200" spc="-55" dirty="0"/>
-              <a:t> </a:t>
-            </a:r>
-            <a:r>
-              <a:rPr sz="3200" spc="-5" dirty="0"/>
-              <a:t>Method)</a:t>
-            </a:r>
-            <a:endParaRPr sz="3200" dirty="0"/>
-          </a:p>
-        </p:txBody>
-      </p:sp>
-      <p:sp>
-        <p:nvSpPr>
-          <p:cNvPr id="3" name="object 3"/>
-          <p:cNvSpPr txBox="1"/>
-          <p:nvPr/>
-        </p:nvSpPr>
-        <p:spPr>
-          <a:xfrm>
-            <a:off x="1192174" y="1930400"/>
-            <a:ext cx="7200265" cy="4324985"/>
-          </a:xfrm>
-          <a:prstGeom prst="rect">
-            <a:avLst/>
-          </a:prstGeom>
-        </p:spPr>
-        <p:txBody>
-          <a:bodyPr vert="horz" wrap="square" lIns="0" tIns="12700" rIns="0" bIns="0" rtlCol="0">
-            <a:spAutoFit/>
-          </a:bodyPr>
-          <a:lstStyle/>
-          <a:p>
-            <a:pPr marL="285115" marR="424815" indent="-273050">
-              <a:lnSpc>
-                <a:spcPct val="100000"/>
-              </a:lnSpc>
-              <a:spcBef>
-                <a:spcPts val="100"/>
-              </a:spcBef>
-            </a:pPr>
-            <a:r>
-              <a:rPr sz="1800" spc="-175" dirty="0">
-                <a:solidFill>
-                  <a:srgbClr val="AC0000"/>
-                </a:solidFill>
-                <a:latin typeface="Wingdings"/>
-                <a:cs typeface="Wingdings"/>
-              </a:rPr>
-              <a:t></a:t>
-            </a:r>
-            <a:r>
-              <a:rPr sz="1800" spc="-175" dirty="0">
-                <a:solidFill>
-                  <a:srgbClr val="AC0000"/>
-                </a:solidFill>
-                <a:latin typeface="Times New Roman"/>
-                <a:cs typeface="Times New Roman"/>
-              </a:rPr>
-              <a:t> </a:t>
-            </a:r>
-            <a:r>
-              <a:rPr sz="2400" dirty="0">
-                <a:solidFill>
-                  <a:srgbClr val="2F2F2F"/>
-                </a:solidFill>
-                <a:latin typeface="Calibri"/>
-                <a:cs typeface="Calibri"/>
-              </a:rPr>
-              <a:t>Ana </a:t>
-            </a:r>
-            <a:r>
-              <a:rPr sz="2400" spc="-5" dirty="0">
-                <a:solidFill>
-                  <a:srgbClr val="2F2F2F"/>
-                </a:solidFill>
-                <a:latin typeface="Calibri"/>
-                <a:cs typeface="Calibri"/>
-              </a:rPr>
-              <a:t>method </a:t>
-            </a:r>
-            <a:r>
-              <a:rPr sz="2400" dirty="0">
-                <a:solidFill>
-                  <a:srgbClr val="2F2F2F"/>
-                </a:solidFill>
-                <a:latin typeface="Calibri"/>
-                <a:cs typeface="Calibri"/>
-              </a:rPr>
-              <a:t>aşağıda </a:t>
-            </a:r>
-            <a:r>
-              <a:rPr sz="2400" spc="-5" dirty="0">
-                <a:solidFill>
-                  <a:srgbClr val="2F2F2F"/>
-                </a:solidFill>
-                <a:latin typeface="Calibri"/>
-                <a:cs typeface="Calibri"/>
-              </a:rPr>
-              <a:t>belirtilen yapıdaki yinelemelere  uygulanır:</a:t>
-            </a:r>
-            <a:endParaRPr sz="2400">
-              <a:latin typeface="Calibri"/>
-              <a:cs typeface="Calibri"/>
-            </a:endParaRPr>
-          </a:p>
-          <a:p>
-            <a:pPr marL="12700">
-              <a:lnSpc>
-                <a:spcPct val="100000"/>
-              </a:lnSpc>
-              <a:spcBef>
-                <a:spcPts val="575"/>
-              </a:spcBef>
-              <a:tabLst>
-                <a:tab pos="5909310" algn="l"/>
-              </a:tabLst>
-            </a:pPr>
-            <a:r>
-              <a:rPr sz="1800" spc="-175" dirty="0">
-                <a:solidFill>
-                  <a:srgbClr val="AC0000"/>
-                </a:solidFill>
-                <a:latin typeface="Wingdings"/>
-                <a:cs typeface="Wingdings"/>
-              </a:rPr>
-              <a:t></a:t>
-            </a:r>
-            <a:r>
-              <a:rPr sz="1800" spc="-175" dirty="0">
-                <a:solidFill>
-                  <a:srgbClr val="AC0000"/>
-                </a:solidFill>
-                <a:latin typeface="Times New Roman"/>
-                <a:cs typeface="Times New Roman"/>
-              </a:rPr>
-              <a:t>  </a:t>
-            </a:r>
-            <a:r>
-              <a:rPr sz="2400" b="1" i="1" spc="-5" dirty="0">
-                <a:solidFill>
-                  <a:srgbClr val="2F2F2F"/>
-                </a:solidFill>
-                <a:latin typeface="Calibri"/>
-                <a:cs typeface="Calibri"/>
-              </a:rPr>
-              <a:t>T(n) </a:t>
-            </a:r>
-            <a:r>
-              <a:rPr sz="2400" b="1" i="1" dirty="0">
-                <a:solidFill>
-                  <a:srgbClr val="2F2F2F"/>
-                </a:solidFill>
-                <a:latin typeface="Calibri"/>
-                <a:cs typeface="Calibri"/>
-              </a:rPr>
-              <a:t>= </a:t>
-            </a:r>
-            <a:r>
-              <a:rPr sz="2400" b="1" i="1" spc="-5" dirty="0">
-                <a:solidFill>
-                  <a:srgbClr val="2F2F2F"/>
-                </a:solidFill>
-                <a:latin typeface="Calibri"/>
-                <a:cs typeface="Calibri"/>
-              </a:rPr>
-              <a:t>aT(n/b) </a:t>
-            </a:r>
-            <a:r>
-              <a:rPr sz="2400" b="1" i="1" dirty="0">
-                <a:solidFill>
-                  <a:srgbClr val="2F2F2F"/>
-                </a:solidFill>
-                <a:latin typeface="Calibri"/>
-                <a:cs typeface="Calibri"/>
-              </a:rPr>
-              <a:t>+ f </a:t>
-            </a:r>
-            <a:r>
-              <a:rPr sz="2400" b="1" i="1" spc="-5" dirty="0">
-                <a:solidFill>
-                  <a:srgbClr val="2F2F2F"/>
-                </a:solidFill>
-                <a:latin typeface="Calibri"/>
-                <a:cs typeface="Calibri"/>
-              </a:rPr>
-              <a:t>(n) </a:t>
-            </a:r>
-            <a:r>
-              <a:rPr sz="2400" dirty="0">
-                <a:solidFill>
-                  <a:srgbClr val="2F2F2F"/>
-                </a:solidFill>
-                <a:latin typeface="Calibri"/>
-                <a:cs typeface="Calibri"/>
-              </a:rPr>
-              <a:t>, </a:t>
-            </a:r>
-            <a:r>
-              <a:rPr sz="2400" spc="-10" dirty="0">
-                <a:solidFill>
-                  <a:srgbClr val="2F2F2F"/>
-                </a:solidFill>
-                <a:latin typeface="Calibri"/>
-                <a:cs typeface="Calibri"/>
-              </a:rPr>
-              <a:t>burada </a:t>
-            </a:r>
-            <a:r>
-              <a:rPr sz="2400" b="1" i="1" dirty="0">
-                <a:solidFill>
-                  <a:srgbClr val="2F2F2F"/>
-                </a:solidFill>
-                <a:latin typeface="Calibri"/>
-                <a:cs typeface="Calibri"/>
-              </a:rPr>
-              <a:t>a ≥ </a:t>
-            </a:r>
-            <a:r>
-              <a:rPr sz="2400" b="1" i="1" spc="-5" dirty="0">
-                <a:solidFill>
-                  <a:srgbClr val="2F2F2F"/>
-                </a:solidFill>
-                <a:latin typeface="Calibri"/>
-                <a:cs typeface="Calibri"/>
-              </a:rPr>
-              <a:t>1</a:t>
-            </a:r>
-            <a:r>
-              <a:rPr sz="2400" i="1" spc="-5" dirty="0">
-                <a:solidFill>
-                  <a:srgbClr val="2F2F2F"/>
-                </a:solidFill>
-                <a:latin typeface="Calibri"/>
-                <a:cs typeface="Calibri"/>
-              </a:rPr>
-              <a:t>, </a:t>
-            </a:r>
-            <a:r>
-              <a:rPr sz="2400" b="1" i="1" dirty="0">
-                <a:solidFill>
-                  <a:srgbClr val="2F2F2F"/>
-                </a:solidFill>
-                <a:latin typeface="Calibri"/>
-                <a:cs typeface="Calibri"/>
-              </a:rPr>
-              <a:t>b &gt;</a:t>
-            </a:r>
-            <a:r>
-              <a:rPr sz="2400" b="1" i="1" spc="-35" dirty="0">
-                <a:solidFill>
-                  <a:srgbClr val="2F2F2F"/>
-                </a:solidFill>
-                <a:latin typeface="Calibri"/>
-                <a:cs typeface="Calibri"/>
-              </a:rPr>
-              <a:t> </a:t>
-            </a:r>
-            <a:r>
-              <a:rPr sz="2400" b="1" i="1" spc="-5" dirty="0">
-                <a:solidFill>
-                  <a:srgbClr val="2F2F2F"/>
-                </a:solidFill>
-                <a:latin typeface="Calibri"/>
-                <a:cs typeface="Calibri"/>
-              </a:rPr>
-              <a:t>1</a:t>
-            </a:r>
-            <a:r>
-              <a:rPr sz="2400" i="1" spc="-5" dirty="0">
-                <a:solidFill>
-                  <a:srgbClr val="2F2F2F"/>
-                </a:solidFill>
-                <a:latin typeface="Calibri"/>
-                <a:cs typeface="Calibri"/>
-              </a:rPr>
-              <a:t>, </a:t>
-            </a:r>
-            <a:r>
-              <a:rPr sz="2400" spc="-15" dirty="0">
-                <a:solidFill>
-                  <a:srgbClr val="2F2F2F"/>
-                </a:solidFill>
-                <a:latin typeface="Calibri"/>
-                <a:cs typeface="Calibri"/>
-              </a:rPr>
-              <a:t>ve	</a:t>
-            </a:r>
-            <a:r>
-              <a:rPr sz="2400" b="1" i="1" dirty="0">
-                <a:solidFill>
-                  <a:srgbClr val="2F2F2F"/>
-                </a:solidFill>
-                <a:latin typeface="Calibri"/>
-                <a:cs typeface="Calibri"/>
-              </a:rPr>
-              <a:t>f</a:t>
-            </a:r>
-            <a:endParaRPr sz="2400">
-              <a:latin typeface="Calibri"/>
-              <a:cs typeface="Calibri"/>
-            </a:endParaRPr>
-          </a:p>
-          <a:p>
-            <a:pPr marL="285115">
-              <a:lnSpc>
-                <a:spcPct val="100000"/>
-              </a:lnSpc>
-            </a:pPr>
-            <a:r>
-              <a:rPr sz="2400" spc="-5" dirty="0">
-                <a:solidFill>
-                  <a:srgbClr val="2F2F2F"/>
-                </a:solidFill>
-                <a:latin typeface="Calibri"/>
-                <a:cs typeface="Calibri"/>
-              </a:rPr>
-              <a:t>asimptotik </a:t>
-            </a:r>
-            <a:r>
-              <a:rPr sz="2400" spc="-15" dirty="0">
-                <a:solidFill>
-                  <a:srgbClr val="2F2F2F"/>
-                </a:solidFill>
-                <a:latin typeface="Calibri"/>
-                <a:cs typeface="Calibri"/>
-              </a:rPr>
-              <a:t>olarak</a:t>
-            </a:r>
-            <a:r>
-              <a:rPr sz="2400" spc="-50" dirty="0">
-                <a:solidFill>
-                  <a:srgbClr val="2F2F2F"/>
-                </a:solidFill>
-                <a:latin typeface="Calibri"/>
-                <a:cs typeface="Calibri"/>
-              </a:rPr>
-              <a:t> </a:t>
-            </a:r>
-            <a:r>
-              <a:rPr sz="2400" spc="-30" dirty="0">
-                <a:solidFill>
-                  <a:srgbClr val="2F2F2F"/>
-                </a:solidFill>
-                <a:latin typeface="Calibri"/>
-                <a:cs typeface="Calibri"/>
-              </a:rPr>
-              <a:t>pozitiftir.</a:t>
-            </a:r>
-            <a:endParaRPr sz="2400">
-              <a:latin typeface="Calibri"/>
-              <a:cs typeface="Calibri"/>
-            </a:endParaRPr>
-          </a:p>
-          <a:p>
-            <a:pPr>
-              <a:lnSpc>
-                <a:spcPct val="100000"/>
-              </a:lnSpc>
-              <a:spcBef>
-                <a:spcPts val="5"/>
-              </a:spcBef>
-            </a:pPr>
-            <a:endParaRPr sz="3300">
-              <a:latin typeface="Calibri"/>
-              <a:cs typeface="Calibri"/>
-            </a:endParaRPr>
-          </a:p>
-          <a:p>
-            <a:pPr marL="12700">
-              <a:lnSpc>
-                <a:spcPct val="100000"/>
-              </a:lnSpc>
-              <a:spcBef>
-                <a:spcPts val="5"/>
-              </a:spcBef>
-            </a:pPr>
-            <a:r>
-              <a:rPr sz="1800" spc="-175" dirty="0">
-                <a:solidFill>
-                  <a:srgbClr val="AC0000"/>
-                </a:solidFill>
-                <a:latin typeface="Wingdings"/>
-                <a:cs typeface="Wingdings"/>
-              </a:rPr>
-              <a:t></a:t>
-            </a:r>
-            <a:r>
-              <a:rPr sz="1800" spc="-175" dirty="0">
-                <a:solidFill>
-                  <a:srgbClr val="AC0000"/>
-                </a:solidFill>
-                <a:latin typeface="Times New Roman"/>
-                <a:cs typeface="Times New Roman"/>
-              </a:rPr>
-              <a:t> </a:t>
-            </a:r>
-            <a:r>
-              <a:rPr sz="2400" i="1" spc="-5" dirty="0">
-                <a:solidFill>
-                  <a:srgbClr val="2F2F2F"/>
-                </a:solidFill>
-                <a:latin typeface="Calibri"/>
-                <a:cs typeface="Calibri"/>
-              </a:rPr>
-              <a:t>T(n) </a:t>
-            </a:r>
-            <a:r>
-              <a:rPr sz="2400" spc="-5" dirty="0">
-                <a:solidFill>
-                  <a:srgbClr val="2F2F2F"/>
-                </a:solidFill>
-                <a:latin typeface="Calibri"/>
-                <a:cs typeface="Calibri"/>
-              </a:rPr>
-              <a:t>bir algoritmanın çalışma</a:t>
-            </a:r>
-            <a:r>
-              <a:rPr sz="2400" spc="-95" dirty="0">
-                <a:solidFill>
-                  <a:srgbClr val="2F2F2F"/>
-                </a:solidFill>
-                <a:latin typeface="Calibri"/>
-                <a:cs typeface="Calibri"/>
-              </a:rPr>
-              <a:t> </a:t>
-            </a:r>
-            <a:r>
-              <a:rPr sz="2400" spc="-30" dirty="0">
-                <a:solidFill>
-                  <a:srgbClr val="2F2F2F"/>
-                </a:solidFill>
-                <a:latin typeface="Calibri"/>
-                <a:cs typeface="Calibri"/>
-              </a:rPr>
-              <a:t>süresidir.</a:t>
-            </a:r>
-            <a:endParaRPr sz="2400">
-              <a:latin typeface="Calibri"/>
-              <a:cs typeface="Calibri"/>
-            </a:endParaRPr>
-          </a:p>
-          <a:p>
-            <a:pPr marL="582295" marR="5080" indent="-273050">
-              <a:lnSpc>
-                <a:spcPct val="100000"/>
-              </a:lnSpc>
-              <a:spcBef>
-                <a:spcPts val="545"/>
-              </a:spcBef>
-              <a:tabLst>
-                <a:tab pos="2642870" algn="l"/>
-              </a:tabLst>
-            </a:pPr>
-            <a:r>
-              <a:rPr sz="1650" spc="-165" dirty="0">
-                <a:solidFill>
-                  <a:srgbClr val="AC0000"/>
-                </a:solidFill>
-                <a:latin typeface="Wingdings"/>
-                <a:cs typeface="Wingdings"/>
-              </a:rPr>
-              <a:t></a:t>
-            </a:r>
-            <a:r>
-              <a:rPr sz="1650" spc="-165" dirty="0">
-                <a:solidFill>
-                  <a:srgbClr val="AC0000"/>
-                </a:solidFill>
-                <a:latin typeface="Times New Roman"/>
-                <a:cs typeface="Times New Roman"/>
-              </a:rPr>
-              <a:t> </a:t>
-            </a:r>
-            <a:r>
-              <a:rPr sz="2200" b="1" i="1" spc="-5" dirty="0">
-                <a:solidFill>
-                  <a:srgbClr val="2F2F2F"/>
-                </a:solidFill>
-                <a:latin typeface="Calibri"/>
-                <a:cs typeface="Calibri"/>
-              </a:rPr>
-              <a:t>n/b </a:t>
-            </a:r>
-            <a:r>
-              <a:rPr sz="2200" spc="-10" dirty="0">
-                <a:solidFill>
-                  <a:srgbClr val="2F2F2F"/>
-                </a:solidFill>
-                <a:latin typeface="Calibri"/>
-                <a:cs typeface="Calibri"/>
-              </a:rPr>
-              <a:t>boyutunda </a:t>
-            </a:r>
-            <a:r>
-              <a:rPr sz="2200" b="1" i="1" spc="-5" dirty="0">
-                <a:solidFill>
-                  <a:srgbClr val="2F2F2F"/>
-                </a:solidFill>
-                <a:latin typeface="Calibri"/>
-                <a:cs typeface="Calibri"/>
-              </a:rPr>
-              <a:t>a </a:t>
-            </a:r>
-            <a:r>
-              <a:rPr sz="2200" spc="-10" dirty="0">
-                <a:solidFill>
-                  <a:srgbClr val="2F2F2F"/>
-                </a:solidFill>
-                <a:latin typeface="Calibri"/>
-                <a:cs typeface="Calibri"/>
-              </a:rPr>
-              <a:t>tane </a:t>
-            </a:r>
-            <a:r>
-              <a:rPr sz="2200" spc="-5" dirty="0">
-                <a:solidFill>
-                  <a:srgbClr val="2F2F2F"/>
-                </a:solidFill>
-                <a:latin typeface="Calibri"/>
-                <a:cs typeface="Calibri"/>
-              </a:rPr>
-              <a:t>alt </a:t>
-            </a:r>
-            <a:r>
-              <a:rPr sz="2200" spc="-15" dirty="0">
-                <a:solidFill>
-                  <a:srgbClr val="2F2F2F"/>
-                </a:solidFill>
-                <a:latin typeface="Calibri"/>
-                <a:cs typeface="Calibri"/>
-              </a:rPr>
-              <a:t>problem recursive </a:t>
-            </a:r>
-            <a:r>
-              <a:rPr sz="2200" spc="-10" dirty="0">
-                <a:solidFill>
-                  <a:srgbClr val="2F2F2F"/>
-                </a:solidFill>
-                <a:latin typeface="Calibri"/>
-                <a:cs typeface="Calibri"/>
-              </a:rPr>
-              <a:t>olarak </a:t>
-            </a:r>
-            <a:r>
-              <a:rPr sz="2200" spc="-15" dirty="0">
-                <a:solidFill>
-                  <a:srgbClr val="2F2F2F"/>
-                </a:solidFill>
-                <a:latin typeface="Calibri"/>
-                <a:cs typeface="Calibri"/>
-              </a:rPr>
-              <a:t>çözülür  ve </a:t>
-            </a:r>
-            <a:r>
-              <a:rPr sz="2200" spc="-10" dirty="0">
-                <a:solidFill>
-                  <a:srgbClr val="2F2F2F"/>
-                </a:solidFill>
-                <a:latin typeface="Calibri"/>
-                <a:cs typeface="Calibri"/>
-              </a:rPr>
-              <a:t>her</a:t>
-            </a:r>
-            <a:r>
-              <a:rPr sz="2200" spc="35" dirty="0">
-                <a:solidFill>
-                  <a:srgbClr val="2F2F2F"/>
-                </a:solidFill>
-                <a:latin typeface="Calibri"/>
-                <a:cs typeface="Calibri"/>
-              </a:rPr>
-              <a:t> </a:t>
-            </a:r>
-            <a:r>
-              <a:rPr sz="2200" spc="-10" dirty="0">
-                <a:solidFill>
-                  <a:srgbClr val="2F2F2F"/>
-                </a:solidFill>
-                <a:latin typeface="Calibri"/>
-                <a:cs typeface="Calibri"/>
-              </a:rPr>
-              <a:t>biri</a:t>
-            </a:r>
-            <a:r>
-              <a:rPr sz="2200" dirty="0">
-                <a:solidFill>
-                  <a:srgbClr val="2F2F2F"/>
-                </a:solidFill>
-                <a:latin typeface="Calibri"/>
-                <a:cs typeface="Calibri"/>
-              </a:rPr>
-              <a:t> </a:t>
-            </a:r>
-            <a:r>
-              <a:rPr sz="2200" b="1" i="1" spc="-5" dirty="0">
-                <a:solidFill>
-                  <a:srgbClr val="2F2F2F"/>
-                </a:solidFill>
-                <a:latin typeface="Calibri"/>
-                <a:cs typeface="Calibri"/>
-              </a:rPr>
-              <a:t>T(n/b)	</a:t>
-            </a:r>
-            <a:r>
-              <a:rPr sz="2200" spc="-25" dirty="0">
-                <a:solidFill>
-                  <a:srgbClr val="2F2F2F"/>
-                </a:solidFill>
-                <a:latin typeface="Calibri"/>
-                <a:cs typeface="Calibri"/>
-              </a:rPr>
-              <a:t>süresindedir.</a:t>
-            </a:r>
-            <a:endParaRPr sz="2200">
-              <a:latin typeface="Calibri"/>
-              <a:cs typeface="Calibri"/>
-            </a:endParaRPr>
-          </a:p>
-          <a:p>
-            <a:pPr marL="309245">
-              <a:lnSpc>
-                <a:spcPct val="100000"/>
-              </a:lnSpc>
-              <a:spcBef>
-                <a:spcPts val="530"/>
-              </a:spcBef>
-            </a:pPr>
-            <a:r>
-              <a:rPr sz="1500" spc="-145" dirty="0">
-                <a:solidFill>
-                  <a:srgbClr val="AC0000"/>
-                </a:solidFill>
-                <a:latin typeface="Wingdings"/>
-                <a:cs typeface="Wingdings"/>
-              </a:rPr>
-              <a:t></a:t>
-            </a:r>
-            <a:r>
-              <a:rPr sz="1500" spc="-145" dirty="0">
-                <a:solidFill>
-                  <a:srgbClr val="AC0000"/>
-                </a:solidFill>
-                <a:latin typeface="Times New Roman"/>
-                <a:cs typeface="Times New Roman"/>
-              </a:rPr>
-              <a:t> </a:t>
-            </a:r>
-            <a:r>
-              <a:rPr sz="2000" b="1" i="1" spc="-5" dirty="0">
-                <a:solidFill>
-                  <a:srgbClr val="2F2F2F"/>
-                </a:solidFill>
-                <a:latin typeface="Calibri"/>
-                <a:cs typeface="Calibri"/>
-              </a:rPr>
-              <a:t>f(n) </a:t>
-            </a:r>
-            <a:r>
-              <a:rPr sz="2200" spc="-10" dirty="0">
-                <a:solidFill>
-                  <a:srgbClr val="2F2F2F"/>
-                </a:solidFill>
-                <a:latin typeface="Calibri"/>
-                <a:cs typeface="Calibri"/>
-              </a:rPr>
-              <a:t>problemin </a:t>
-            </a:r>
-            <a:r>
-              <a:rPr sz="2200" spc="-5" dirty="0">
-                <a:solidFill>
-                  <a:srgbClr val="2F2F2F"/>
-                </a:solidFill>
-                <a:latin typeface="Calibri"/>
-                <a:cs typeface="Calibri"/>
-              </a:rPr>
-              <a:t>bölünmesi </a:t>
-            </a:r>
-            <a:r>
-              <a:rPr sz="2200" spc="-15" dirty="0">
-                <a:solidFill>
-                  <a:srgbClr val="2F2F2F"/>
-                </a:solidFill>
-                <a:latin typeface="Calibri"/>
-                <a:cs typeface="Calibri"/>
-              </a:rPr>
-              <a:t>ve </a:t>
-            </a:r>
-            <a:r>
-              <a:rPr sz="2200" spc="-5" dirty="0">
-                <a:solidFill>
-                  <a:srgbClr val="2F2F2F"/>
-                </a:solidFill>
-                <a:latin typeface="Calibri"/>
-                <a:cs typeface="Calibri"/>
-              </a:rPr>
-              <a:t>sonuçların </a:t>
-            </a:r>
-            <a:r>
-              <a:rPr sz="2200" spc="-10" dirty="0">
-                <a:solidFill>
-                  <a:srgbClr val="2F2F2F"/>
-                </a:solidFill>
-                <a:latin typeface="Calibri"/>
-                <a:cs typeface="Calibri"/>
-              </a:rPr>
-              <a:t>birleştirilmesi</a:t>
-            </a:r>
-            <a:r>
-              <a:rPr sz="2200" spc="-110" dirty="0">
-                <a:solidFill>
-                  <a:srgbClr val="2F2F2F"/>
-                </a:solidFill>
-                <a:latin typeface="Calibri"/>
-                <a:cs typeface="Calibri"/>
-              </a:rPr>
-              <a:t> </a:t>
-            </a:r>
-            <a:r>
-              <a:rPr sz="2200" spc="-5" dirty="0">
-                <a:solidFill>
-                  <a:srgbClr val="2F2F2F"/>
-                </a:solidFill>
-                <a:latin typeface="Calibri"/>
-                <a:cs typeface="Calibri"/>
-              </a:rPr>
-              <a:t>için</a:t>
-            </a:r>
-            <a:endParaRPr sz="2200">
-              <a:latin typeface="Calibri"/>
-              <a:cs typeface="Calibri"/>
-            </a:endParaRPr>
-          </a:p>
-          <a:p>
-            <a:pPr marL="582295">
-              <a:lnSpc>
-                <a:spcPct val="100000"/>
-              </a:lnSpc>
-            </a:pPr>
-            <a:r>
-              <a:rPr sz="2200" spc="-10" dirty="0">
-                <a:solidFill>
-                  <a:srgbClr val="2F2F2F"/>
-                </a:solidFill>
-                <a:latin typeface="Calibri"/>
-                <a:cs typeface="Calibri"/>
-              </a:rPr>
-              <a:t>geçen</a:t>
-            </a:r>
-            <a:r>
-              <a:rPr sz="2200" spc="20" dirty="0">
-                <a:solidFill>
-                  <a:srgbClr val="2F2F2F"/>
-                </a:solidFill>
-                <a:latin typeface="Calibri"/>
-                <a:cs typeface="Calibri"/>
-              </a:rPr>
-              <a:t> </a:t>
-            </a:r>
-            <a:r>
-              <a:rPr sz="2200" spc="-35" dirty="0">
-                <a:solidFill>
-                  <a:srgbClr val="2F2F2F"/>
-                </a:solidFill>
-                <a:latin typeface="Calibri"/>
-                <a:cs typeface="Calibri"/>
-              </a:rPr>
-              <a:t>süredir.</a:t>
-            </a:r>
-            <a:endParaRPr sz="2200">
-              <a:latin typeface="Calibri"/>
-              <a:cs typeface="Calibri"/>
-            </a:endParaRPr>
-          </a:p>
-          <a:p>
-            <a:pPr marL="309245">
-              <a:lnSpc>
-                <a:spcPct val="100000"/>
-              </a:lnSpc>
-              <a:spcBef>
-                <a:spcPts val="440"/>
-              </a:spcBef>
-            </a:pPr>
-            <a:r>
-              <a:rPr sz="1650" spc="-165" dirty="0">
-                <a:solidFill>
-                  <a:srgbClr val="AC0000"/>
-                </a:solidFill>
-                <a:latin typeface="Wingdings"/>
-                <a:cs typeface="Wingdings"/>
-              </a:rPr>
-              <a:t></a:t>
-            </a:r>
-            <a:r>
-              <a:rPr sz="1650" spc="-165" dirty="0">
-                <a:solidFill>
-                  <a:srgbClr val="AC0000"/>
-                </a:solidFill>
-                <a:latin typeface="Times New Roman"/>
-                <a:cs typeface="Times New Roman"/>
-              </a:rPr>
-              <a:t> </a:t>
-            </a:r>
-            <a:r>
-              <a:rPr sz="2200" b="1" spc="-10" dirty="0">
-                <a:solidFill>
-                  <a:srgbClr val="2F2F2F"/>
-                </a:solidFill>
-                <a:latin typeface="Calibri"/>
-                <a:cs typeface="Calibri"/>
-              </a:rPr>
-              <a:t>Örnek: </a:t>
-            </a:r>
-            <a:r>
-              <a:rPr sz="2200" spc="-10" dirty="0">
-                <a:solidFill>
-                  <a:srgbClr val="2F2F2F"/>
-                </a:solidFill>
-                <a:latin typeface="Calibri"/>
-                <a:cs typeface="Calibri"/>
-              </a:rPr>
-              <a:t>Merge-sort </a:t>
-            </a:r>
-            <a:r>
-              <a:rPr sz="2200" spc="-5" dirty="0">
-                <a:solidFill>
-                  <a:srgbClr val="2F2F2F"/>
-                </a:solidFill>
-                <a:latin typeface="Calibri"/>
-                <a:cs typeface="Calibri"/>
-              </a:rPr>
-              <a:t>için </a:t>
-            </a:r>
-            <a:r>
-              <a:rPr sz="2200" i="1" spc="-10" dirty="0">
-                <a:solidFill>
-                  <a:srgbClr val="2F2F2F"/>
-                </a:solidFill>
-                <a:latin typeface="Calibri"/>
-                <a:cs typeface="Calibri"/>
-              </a:rPr>
-              <a:t>T(n)=2T(n/2)+</a:t>
-            </a:r>
-            <a:r>
-              <a:rPr sz="2300" i="1" spc="-10" dirty="0">
-                <a:solidFill>
-                  <a:srgbClr val="2F2F2F"/>
-                </a:solidFill>
-                <a:latin typeface="Symbol"/>
-                <a:cs typeface="Symbol"/>
-              </a:rPr>
-              <a:t></a:t>
-            </a:r>
-            <a:r>
-              <a:rPr sz="2200" i="1" spc="-10" dirty="0">
-                <a:solidFill>
-                  <a:srgbClr val="2F2F2F"/>
-                </a:solidFill>
-                <a:latin typeface="Calibri"/>
-                <a:cs typeface="Calibri"/>
-              </a:rPr>
-              <a:t>(n)</a:t>
-            </a:r>
-            <a:r>
-              <a:rPr sz="2200" i="1" spc="-30" dirty="0">
-                <a:solidFill>
-                  <a:srgbClr val="2F2F2F"/>
-                </a:solidFill>
-                <a:latin typeface="Calibri"/>
-                <a:cs typeface="Calibri"/>
-              </a:rPr>
-              <a:t> </a:t>
-            </a:r>
-            <a:r>
-              <a:rPr sz="2200" spc="-25" dirty="0">
-                <a:solidFill>
-                  <a:srgbClr val="2F2F2F"/>
-                </a:solidFill>
-                <a:latin typeface="Calibri"/>
-                <a:cs typeface="Calibri"/>
-              </a:rPr>
-              <a:t>yazılabilir.</a:t>
-            </a:r>
-            <a:endParaRPr sz="2200">
-              <a:latin typeface="Calibri"/>
-              <a:cs typeface="Calibri"/>
-            </a:endParaRPr>
-          </a:p>
-        </p:txBody>
-      </p:sp>
-      <p:sp>
-        <p:nvSpPr>
-          <p:cNvPr id="4" name="object 4"/>
-          <p:cNvSpPr/>
-          <p:nvPr/>
-        </p:nvSpPr>
-        <p:spPr>
-          <a:xfrm>
-            <a:off x="7432547" y="816863"/>
-            <a:ext cx="1162811" cy="1191767"/>
-          </a:xfrm>
-          <a:prstGeom prst="rect">
-            <a:avLst/>
-          </a:prstGeom>
-          <a:blipFill>
-            <a:blip r:embed="rId3" cstate="print"/>
-            <a:stretch>
-              <a:fillRect/>
-            </a:stretch>
-          </a:blipFill>
-        </p:spPr>
-        <p:txBody>
-          <a:bodyPr wrap="square" lIns="0" tIns="0" rIns="0" bIns="0" rtlCol="0"/>
-          <a:lstStyle/>
-          <a:p>
-            <a:endParaRPr/>
-          </a:p>
-        </p:txBody>
-      </p:sp>
-      <p:sp>
-        <p:nvSpPr>
-          <p:cNvPr id="5" name="object 5"/>
-          <p:cNvSpPr txBox="1"/>
-          <p:nvPr/>
-        </p:nvSpPr>
-        <p:spPr>
-          <a:xfrm>
-            <a:off x="4729353" y="297941"/>
-            <a:ext cx="110489" cy="208279"/>
-          </a:xfrm>
-          <a:prstGeom prst="rect">
-            <a:avLst/>
-          </a:prstGeom>
-        </p:spPr>
-        <p:txBody>
-          <a:bodyPr vert="horz" wrap="square" lIns="0" tIns="12700" rIns="0" bIns="0" rtlCol="0">
-            <a:spAutoFit/>
-          </a:bodyPr>
-          <a:lstStyle/>
-          <a:p>
-            <a:pPr marL="12700">
-              <a:lnSpc>
-                <a:spcPct val="100000"/>
-              </a:lnSpc>
-              <a:spcBef>
-                <a:spcPts val="100"/>
-              </a:spcBef>
-            </a:pPr>
-            <a:r>
-              <a:rPr sz="1200" spc="-5" dirty="0">
-                <a:solidFill>
-                  <a:srgbClr val="FDFDFD"/>
-                </a:solidFill>
-                <a:latin typeface="Arial"/>
-                <a:cs typeface="Arial"/>
-              </a:rPr>
-              <a:t>2</a:t>
-            </a:r>
-            <a:endParaRPr sz="1200">
-              <a:latin typeface="Arial"/>
-              <a:cs typeface="Arial"/>
-            </a:endParaRPr>
-          </a:p>
-        </p:txBody>
-      </p:sp>
-    </p:spTree>
-  </p:cSld>
-  <p:clrMapOvr>
-    <a:masterClrMapping/>
-  </p:clrMapOvr>
-</p:sld>
-</file>
-
-<file path=ppt/slides/slide3.xml><?xml version="1.0" encoding="utf-8"?>
-<p:sld xmlns:a="http://schemas.openxmlformats.org/drawingml/2006/main" xmlns:r="http://schemas.openxmlformats.org/officeDocument/2006/relationships" xmlns:p="http://schemas.openxmlformats.org/presentationml/2006/main">
-  <p:cSld>
-    <p:spTree>
-      <p:nvGrpSpPr>
-        <p:cNvPr id="1" name=""/>
-        <p:cNvGrpSpPr/>
-        <p:nvPr/>
-      </p:nvGrpSpPr>
-      <p:grpSpPr>
-        <a:xfrm>
-          <a:off x="0" y="0"/>
-          <a:ext cx="0" cy="0"/>
-          <a:chOff x="0" y="0"/>
-          <a:chExt cx="0" cy="0"/>
-        </a:xfrm>
-      </p:grpSpPr>
-      <p:sp>
-        <p:nvSpPr>
-          <p:cNvPr id="2" name="object 2"/>
-          <p:cNvSpPr txBox="1">
-            <a:spLocks noGrp="1"/>
-          </p:cNvSpPr>
-          <p:nvPr>
-            <p:ph type="title"/>
-          </p:nvPr>
-        </p:nvSpPr>
-        <p:spPr>
-          <a:xfrm>
             <a:off x="1121765" y="1534414"/>
             <a:ext cx="6324600" cy="574040"/>
           </a:xfrm>
@@ -9648,1219 +8439,7 @@
 </p:sld>
 </file>
 
-<file path=ppt/slides/slide4.xml><?xml version="1.0" encoding="utf-8"?>
-<p:sld xmlns:a="http://schemas.openxmlformats.org/drawingml/2006/main" xmlns:r="http://schemas.openxmlformats.org/officeDocument/2006/relationships" xmlns:p="http://schemas.openxmlformats.org/presentationml/2006/main">
-  <p:cSld>
-    <p:spTree>
-      <p:nvGrpSpPr>
-        <p:cNvPr id="1" name=""/>
-        <p:cNvGrpSpPr/>
-        <p:nvPr/>
-      </p:nvGrpSpPr>
-      <p:grpSpPr>
-        <a:xfrm>
-          <a:off x="0" y="0"/>
-          <a:ext cx="0" cy="0"/>
-          <a:chOff x="0" y="0"/>
-          <a:chExt cx="0" cy="0"/>
-        </a:xfrm>
-      </p:grpSpPr>
-      <p:sp>
-        <p:nvSpPr>
-          <p:cNvPr id="2" name="object 2"/>
-          <p:cNvSpPr txBox="1">
-            <a:spLocks noGrp="1"/>
-          </p:cNvSpPr>
-          <p:nvPr>
-            <p:ph type="title"/>
-          </p:nvPr>
-        </p:nvSpPr>
-        <p:spPr>
-          <a:xfrm>
-            <a:off x="1121765" y="622503"/>
-            <a:ext cx="5902325" cy="1002030"/>
-          </a:xfrm>
-          <a:prstGeom prst="rect">
-            <a:avLst/>
-          </a:prstGeom>
-        </p:spPr>
-        <p:txBody>
-          <a:bodyPr vert="horz" wrap="square" lIns="0" tIns="13335" rIns="0" bIns="0" rtlCol="0">
-            <a:spAutoFit/>
-          </a:bodyPr>
-          <a:lstStyle/>
-          <a:p>
-            <a:pPr marL="12700" marR="5080">
-              <a:lnSpc>
-                <a:spcPct val="100000"/>
-              </a:lnSpc>
-              <a:spcBef>
-                <a:spcPts val="105"/>
-              </a:spcBef>
-            </a:pPr>
-            <a:r>
-              <a:rPr sz="3200" spc="-15" dirty="0"/>
-              <a:t>Merge </a:t>
-            </a:r>
-            <a:r>
-              <a:rPr sz="3200" dirty="0"/>
-              <a:t>Sort (Birleştirme</a:t>
-            </a:r>
-            <a:r>
-              <a:rPr sz="3200" spc="-80" dirty="0"/>
-              <a:t> </a:t>
-            </a:r>
-            <a:r>
-              <a:rPr sz="3200" spc="-5" dirty="0"/>
-              <a:t>sıralaması)  Algoritması</a:t>
-            </a:r>
-            <a:endParaRPr sz="3200" dirty="0"/>
-          </a:p>
-        </p:txBody>
-      </p:sp>
-      <p:sp>
-        <p:nvSpPr>
-          <p:cNvPr id="3" name="object 3"/>
-          <p:cNvSpPr txBox="1"/>
-          <p:nvPr/>
-        </p:nvSpPr>
-        <p:spPr>
-          <a:xfrm>
-            <a:off x="4729353" y="297941"/>
-            <a:ext cx="196215" cy="208279"/>
-          </a:xfrm>
-          <a:prstGeom prst="rect">
-            <a:avLst/>
-          </a:prstGeom>
-        </p:spPr>
-        <p:txBody>
-          <a:bodyPr vert="horz" wrap="square" lIns="0" tIns="12700" rIns="0" bIns="0" rtlCol="0">
-            <a:spAutoFit/>
-          </a:bodyPr>
-          <a:lstStyle/>
-          <a:p>
-            <a:pPr marL="12700">
-              <a:lnSpc>
-                <a:spcPct val="100000"/>
-              </a:lnSpc>
-              <a:spcBef>
-                <a:spcPts val="100"/>
-              </a:spcBef>
-            </a:pPr>
-            <a:r>
-              <a:rPr sz="1200" spc="-5" dirty="0">
-                <a:solidFill>
-                  <a:srgbClr val="FDFDFD"/>
-                </a:solidFill>
-                <a:latin typeface="Arial"/>
-                <a:cs typeface="Arial"/>
-              </a:rPr>
-              <a:t>42</a:t>
-            </a:r>
-            <a:endParaRPr sz="1200">
-              <a:latin typeface="Arial"/>
-              <a:cs typeface="Arial"/>
-            </a:endParaRPr>
-          </a:p>
-        </p:txBody>
-      </p:sp>
-      <p:sp>
-        <p:nvSpPr>
-          <p:cNvPr id="4" name="object 4"/>
-          <p:cNvSpPr txBox="1"/>
-          <p:nvPr/>
-        </p:nvSpPr>
-        <p:spPr>
-          <a:xfrm>
-            <a:off x="1179474" y="1786890"/>
-            <a:ext cx="6517640" cy="4196080"/>
-          </a:xfrm>
-          <a:prstGeom prst="rect">
-            <a:avLst/>
-          </a:prstGeom>
-        </p:spPr>
-        <p:txBody>
-          <a:bodyPr vert="horz" wrap="square" lIns="0" tIns="12065" rIns="0" bIns="0" rtlCol="0">
-            <a:spAutoFit/>
-          </a:bodyPr>
-          <a:lstStyle/>
-          <a:p>
-            <a:pPr marL="297815" marR="17780" indent="-273050">
-              <a:lnSpc>
-                <a:spcPct val="100200"/>
-              </a:lnSpc>
-              <a:spcBef>
-                <a:spcPts val="95"/>
-              </a:spcBef>
-              <a:tabLst>
-                <a:tab pos="2079625" algn="l"/>
-                <a:tab pos="2465070" algn="l"/>
-                <a:tab pos="5254625" algn="l"/>
-                <a:tab pos="5441950" algn="l"/>
-              </a:tabLst>
-            </a:pPr>
-            <a:r>
-              <a:rPr sz="1800" spc="-175" dirty="0">
-                <a:solidFill>
-                  <a:srgbClr val="AC0000"/>
-                </a:solidFill>
-                <a:latin typeface="Wingdings"/>
-                <a:cs typeface="Wingdings"/>
-              </a:rPr>
-              <a:t></a:t>
-            </a:r>
-            <a:r>
-              <a:rPr sz="1800" spc="-175" dirty="0">
-                <a:solidFill>
-                  <a:srgbClr val="AC0000"/>
-                </a:solidFill>
-                <a:latin typeface="Times New Roman"/>
-                <a:cs typeface="Times New Roman"/>
-              </a:rPr>
-              <a:t> </a:t>
-            </a:r>
-            <a:r>
-              <a:rPr sz="2400" b="1" dirty="0">
-                <a:solidFill>
-                  <a:srgbClr val="FF0000"/>
-                </a:solidFill>
-                <a:latin typeface="Calibri"/>
-                <a:cs typeface="Calibri"/>
-              </a:rPr>
-              <a:t>1. Böl: </a:t>
-            </a:r>
-            <a:r>
-              <a:rPr sz="2400" spc="-10" dirty="0">
-                <a:solidFill>
-                  <a:srgbClr val="2F2F2F"/>
-                </a:solidFill>
-                <a:latin typeface="Calibri"/>
-                <a:cs typeface="Calibri"/>
-              </a:rPr>
-              <a:t>Eğer </a:t>
-            </a:r>
-            <a:r>
-              <a:rPr sz="2400" b="1" dirty="0">
-                <a:solidFill>
-                  <a:srgbClr val="006FC0"/>
-                </a:solidFill>
-                <a:latin typeface="Calibri"/>
-                <a:cs typeface="Calibri"/>
-              </a:rPr>
-              <a:t>S </a:t>
-            </a:r>
-            <a:r>
-              <a:rPr sz="2400" dirty="0">
-                <a:solidFill>
-                  <a:srgbClr val="2F2F2F"/>
-                </a:solidFill>
-                <a:latin typeface="Calibri"/>
-                <a:cs typeface="Calibri"/>
-              </a:rPr>
-              <a:t>en az iki elemana </a:t>
-            </a:r>
-            <a:r>
-              <a:rPr sz="2400" spc="-5" dirty="0">
-                <a:solidFill>
-                  <a:srgbClr val="2F2F2F"/>
-                </a:solidFill>
-                <a:latin typeface="Calibri"/>
-                <a:cs typeface="Calibri"/>
-              </a:rPr>
-              <a:t>sahipse </a:t>
-            </a:r>
-            <a:r>
-              <a:rPr sz="2400" spc="-20" dirty="0">
-                <a:solidFill>
-                  <a:srgbClr val="2F2F2F"/>
-                </a:solidFill>
-                <a:latin typeface="Calibri"/>
-                <a:cs typeface="Calibri"/>
-              </a:rPr>
-              <a:t>(</a:t>
-            </a:r>
-            <a:r>
-              <a:rPr sz="2400" b="1" spc="-20" dirty="0">
-                <a:solidFill>
-                  <a:srgbClr val="006FC0"/>
-                </a:solidFill>
-                <a:latin typeface="Calibri"/>
-                <a:cs typeface="Calibri"/>
-              </a:rPr>
-              <a:t>S </a:t>
-            </a:r>
-            <a:r>
-              <a:rPr sz="2400" spc="-5" dirty="0">
-                <a:solidFill>
-                  <a:srgbClr val="2F2F2F"/>
-                </a:solidFill>
-                <a:latin typeface="Calibri"/>
-                <a:cs typeface="Calibri"/>
-              </a:rPr>
-              <a:t>sıfır  </a:t>
-            </a:r>
-            <a:r>
-              <a:rPr sz="2400" spc="-20" dirty="0">
-                <a:solidFill>
-                  <a:srgbClr val="2F2F2F"/>
-                </a:solidFill>
-                <a:latin typeface="Calibri"/>
-                <a:cs typeface="Calibri"/>
-              </a:rPr>
-              <a:t>veya </a:t>
-            </a:r>
-            <a:r>
-              <a:rPr sz="2400" spc="-5" dirty="0">
-                <a:solidFill>
-                  <a:srgbClr val="2F2F2F"/>
-                </a:solidFill>
-                <a:latin typeface="Calibri"/>
-                <a:cs typeface="Calibri"/>
-              </a:rPr>
-              <a:t>bir </a:t>
-            </a:r>
-            <a:r>
-              <a:rPr sz="2400" dirty="0">
-                <a:solidFill>
-                  <a:srgbClr val="2F2F2F"/>
-                </a:solidFill>
-                <a:latin typeface="Calibri"/>
-                <a:cs typeface="Calibri"/>
-              </a:rPr>
-              <a:t>elemana </a:t>
-            </a:r>
-            <a:r>
-              <a:rPr sz="2400" spc="-10" dirty="0">
-                <a:solidFill>
-                  <a:srgbClr val="2F2F2F"/>
-                </a:solidFill>
-                <a:latin typeface="Calibri"/>
-                <a:cs typeface="Calibri"/>
-              </a:rPr>
-              <a:t>sahipse </a:t>
-            </a:r>
-            <a:r>
-              <a:rPr sz="2400" spc="-5" dirty="0">
-                <a:solidFill>
-                  <a:srgbClr val="2F2F2F"/>
-                </a:solidFill>
-                <a:latin typeface="Calibri"/>
-                <a:cs typeface="Calibri"/>
-              </a:rPr>
-              <a:t>hiçbir </a:t>
-            </a:r>
-            <a:r>
-              <a:rPr sz="2400" dirty="0">
-                <a:solidFill>
-                  <a:srgbClr val="2F2F2F"/>
-                </a:solidFill>
-                <a:latin typeface="Calibri"/>
-                <a:cs typeface="Calibri"/>
-              </a:rPr>
-              <a:t>işlem </a:t>
-            </a:r>
-            <a:r>
-              <a:rPr sz="2400" spc="-5" dirty="0">
-                <a:solidFill>
-                  <a:srgbClr val="2F2F2F"/>
-                </a:solidFill>
-                <a:latin typeface="Calibri"/>
-                <a:cs typeface="Calibri"/>
-              </a:rPr>
-              <a:t>yapılmaz),  bütün </a:t>
-            </a:r>
-            <a:r>
-              <a:rPr sz="2400" dirty="0">
-                <a:solidFill>
-                  <a:srgbClr val="2F2F2F"/>
-                </a:solidFill>
-                <a:latin typeface="Calibri"/>
-                <a:cs typeface="Calibri"/>
-              </a:rPr>
-              <a:t>elemanlar </a:t>
-            </a:r>
-            <a:r>
-              <a:rPr sz="2400" b="1" dirty="0">
-                <a:solidFill>
-                  <a:srgbClr val="006FC0"/>
-                </a:solidFill>
-                <a:latin typeface="Calibri"/>
-                <a:cs typeface="Calibri"/>
-              </a:rPr>
-              <a:t>S </a:t>
-            </a:r>
-            <a:r>
-              <a:rPr sz="2400" dirty="0">
-                <a:solidFill>
-                  <a:srgbClr val="2F2F2F"/>
-                </a:solidFill>
-                <a:latin typeface="Calibri"/>
-                <a:cs typeface="Calibri"/>
-              </a:rPr>
-              <a:t>'e n alınır </a:t>
-            </a:r>
-            <a:r>
-              <a:rPr sz="2400" spc="-15" dirty="0">
-                <a:solidFill>
-                  <a:srgbClr val="2F2F2F"/>
-                </a:solidFill>
-                <a:latin typeface="Calibri"/>
-                <a:cs typeface="Calibri"/>
-              </a:rPr>
-              <a:t>ve </a:t>
-            </a:r>
-            <a:r>
-              <a:rPr sz="2400" b="1" dirty="0">
-                <a:solidFill>
-                  <a:srgbClr val="006FC0"/>
-                </a:solidFill>
-                <a:latin typeface="Calibri"/>
-                <a:cs typeface="Calibri"/>
-              </a:rPr>
-              <a:t>S</a:t>
-            </a:r>
-            <a:r>
-              <a:rPr sz="2400" b="1" baseline="-20833" dirty="0">
-                <a:solidFill>
-                  <a:srgbClr val="006FC0"/>
-                </a:solidFill>
-                <a:latin typeface="Calibri"/>
-                <a:cs typeface="Calibri"/>
-              </a:rPr>
-              <a:t>1</a:t>
-            </a:r>
-            <a:r>
-              <a:rPr sz="2400" b="1" spc="284" baseline="-20833" dirty="0">
-                <a:solidFill>
-                  <a:srgbClr val="006FC0"/>
-                </a:solidFill>
-                <a:latin typeface="Calibri"/>
-                <a:cs typeface="Calibri"/>
-              </a:rPr>
-              <a:t> </a:t>
-            </a:r>
-            <a:r>
-              <a:rPr sz="2400" spc="-15" dirty="0">
-                <a:solidFill>
-                  <a:srgbClr val="2F2F2F"/>
-                </a:solidFill>
-                <a:latin typeface="Calibri"/>
-                <a:cs typeface="Calibri"/>
-              </a:rPr>
-              <a:t>ve</a:t>
-            </a:r>
-            <a:r>
-              <a:rPr sz="2400" dirty="0">
-                <a:solidFill>
-                  <a:srgbClr val="2F2F2F"/>
-                </a:solidFill>
-                <a:latin typeface="Calibri"/>
-                <a:cs typeface="Calibri"/>
-              </a:rPr>
-              <a:t> </a:t>
-            </a:r>
-            <a:r>
-              <a:rPr sz="2400" b="1" dirty="0">
-                <a:solidFill>
-                  <a:srgbClr val="006FC0"/>
-                </a:solidFill>
-                <a:latin typeface="Calibri"/>
-                <a:cs typeface="Calibri"/>
-              </a:rPr>
-              <a:t>S</a:t>
-            </a:r>
-            <a:r>
-              <a:rPr sz="2400" b="1" baseline="-20833" dirty="0">
-                <a:solidFill>
-                  <a:srgbClr val="006FC0"/>
-                </a:solidFill>
-                <a:latin typeface="Calibri"/>
-                <a:cs typeface="Calibri"/>
-              </a:rPr>
-              <a:t>2	</a:t>
-            </a:r>
-            <a:r>
-              <a:rPr sz="2400" dirty="0">
-                <a:solidFill>
-                  <a:srgbClr val="2F2F2F"/>
-                </a:solidFill>
-                <a:latin typeface="Calibri"/>
-                <a:cs typeface="Calibri"/>
-              </a:rPr>
-              <a:t>adlı iki  alana </a:t>
-            </a:r>
-            <a:r>
-              <a:rPr sz="2400" spc="-20" dirty="0">
-                <a:solidFill>
-                  <a:srgbClr val="2F2F2F"/>
-                </a:solidFill>
-                <a:latin typeface="Calibri"/>
-                <a:cs typeface="Calibri"/>
-              </a:rPr>
-              <a:t>yerleştirilir, </a:t>
-            </a:r>
-            <a:r>
-              <a:rPr sz="2400" spc="-5" dirty="0">
-                <a:solidFill>
-                  <a:srgbClr val="2F2F2F"/>
-                </a:solidFill>
-                <a:latin typeface="Calibri"/>
-                <a:cs typeface="Calibri"/>
-              </a:rPr>
-              <a:t>her biri </a:t>
-            </a:r>
-            <a:r>
-              <a:rPr sz="2400" b="1" dirty="0">
-                <a:solidFill>
-                  <a:srgbClr val="006FC0"/>
-                </a:solidFill>
-                <a:latin typeface="Calibri"/>
-                <a:cs typeface="Calibri"/>
-              </a:rPr>
-              <a:t>S </a:t>
-            </a:r>
-            <a:r>
-              <a:rPr sz="2400" spc="-5" dirty="0">
-                <a:solidFill>
-                  <a:srgbClr val="2F2F2F"/>
-                </a:solidFill>
-                <a:latin typeface="Calibri"/>
-                <a:cs typeface="Calibri"/>
-              </a:rPr>
-              <a:t>dizisinin yarısına  </a:t>
-            </a:r>
-            <a:r>
-              <a:rPr sz="2400" spc="-30" dirty="0">
-                <a:solidFill>
-                  <a:srgbClr val="2F2F2F"/>
-                </a:solidFill>
-                <a:latin typeface="Calibri"/>
-                <a:cs typeface="Calibri"/>
-              </a:rPr>
-              <a:t>sahiptir,</a:t>
-            </a:r>
-            <a:r>
-              <a:rPr sz="2400" spc="-5" dirty="0">
-                <a:solidFill>
-                  <a:srgbClr val="2F2F2F"/>
-                </a:solidFill>
-                <a:latin typeface="Calibri"/>
-                <a:cs typeface="Calibri"/>
-              </a:rPr>
-              <a:t> (örn.	</a:t>
-            </a:r>
-            <a:r>
-              <a:rPr sz="2400" b="1" dirty="0">
-                <a:solidFill>
-                  <a:srgbClr val="006FC0"/>
-                </a:solidFill>
-                <a:latin typeface="Calibri"/>
-                <a:cs typeface="Calibri"/>
-              </a:rPr>
-              <a:t>S</a:t>
-            </a:r>
-            <a:r>
-              <a:rPr sz="2400" b="1" baseline="-20833" dirty="0">
-                <a:solidFill>
-                  <a:srgbClr val="006FC0"/>
-                </a:solidFill>
-                <a:latin typeface="Calibri"/>
-                <a:cs typeface="Calibri"/>
-              </a:rPr>
-              <a:t>1	</a:t>
-            </a:r>
-            <a:r>
-              <a:rPr sz="2400" dirty="0">
-                <a:solidFill>
-                  <a:srgbClr val="2F2F2F"/>
-                </a:solidFill>
-                <a:latin typeface="Calibri"/>
-                <a:cs typeface="Calibri"/>
-              </a:rPr>
-              <a:t>ilk </a:t>
-            </a:r>
-            <a:r>
-              <a:rPr sz="2400" b="1" spc="-5" dirty="0">
-                <a:solidFill>
-                  <a:srgbClr val="006FC0"/>
-                </a:solidFill>
-                <a:latin typeface="Symbol"/>
-                <a:cs typeface="Symbol"/>
-              </a:rPr>
-              <a:t></a:t>
-            </a:r>
-            <a:r>
-              <a:rPr sz="2400" b="1" spc="-5" dirty="0">
-                <a:solidFill>
-                  <a:srgbClr val="006FC0"/>
-                </a:solidFill>
-                <a:latin typeface="Calibri"/>
-                <a:cs typeface="Calibri"/>
-              </a:rPr>
-              <a:t>n/2</a:t>
-            </a:r>
-            <a:r>
-              <a:rPr sz="2400" b="1" spc="-5" dirty="0">
-                <a:solidFill>
-                  <a:srgbClr val="006FC0"/>
-                </a:solidFill>
-                <a:latin typeface="Symbol"/>
-                <a:cs typeface="Symbol"/>
-              </a:rPr>
-              <a:t></a:t>
-            </a:r>
-            <a:r>
-              <a:rPr sz="2400" b="1" spc="-5" dirty="0">
-                <a:solidFill>
-                  <a:srgbClr val="006FC0"/>
-                </a:solidFill>
-                <a:latin typeface="Times New Roman"/>
-                <a:cs typeface="Times New Roman"/>
-              </a:rPr>
-              <a:t> </a:t>
-            </a:r>
-            <a:r>
-              <a:rPr sz="2400" dirty="0">
-                <a:solidFill>
-                  <a:srgbClr val="2F2F2F"/>
-                </a:solidFill>
-                <a:latin typeface="Calibri"/>
-                <a:cs typeface="Calibri"/>
-              </a:rPr>
-              <a:t>elemana</a:t>
-            </a:r>
-            <a:r>
-              <a:rPr sz="2400" spc="-75" dirty="0">
-                <a:solidFill>
-                  <a:srgbClr val="2F2F2F"/>
-                </a:solidFill>
-                <a:latin typeface="Calibri"/>
-                <a:cs typeface="Calibri"/>
-              </a:rPr>
-              <a:t> </a:t>
-            </a:r>
-            <a:r>
-              <a:rPr sz="2400" spc="-15" dirty="0">
-                <a:solidFill>
-                  <a:srgbClr val="2F2F2F"/>
-                </a:solidFill>
-                <a:latin typeface="Calibri"/>
-                <a:cs typeface="Calibri"/>
-              </a:rPr>
-              <a:t>ve</a:t>
-            </a:r>
-            <a:r>
-              <a:rPr sz="2400" spc="25" dirty="0">
-                <a:solidFill>
-                  <a:srgbClr val="2F2F2F"/>
-                </a:solidFill>
-                <a:latin typeface="Calibri"/>
-                <a:cs typeface="Calibri"/>
-              </a:rPr>
-              <a:t> </a:t>
-            </a:r>
-            <a:r>
-              <a:rPr sz="2400" b="1" dirty="0">
-                <a:solidFill>
-                  <a:srgbClr val="006FC0"/>
-                </a:solidFill>
-                <a:latin typeface="Calibri"/>
-                <a:cs typeface="Calibri"/>
-              </a:rPr>
-              <a:t>S</a:t>
-            </a:r>
-            <a:r>
-              <a:rPr sz="2400" b="1" baseline="-20833" dirty="0">
-                <a:solidFill>
-                  <a:srgbClr val="006FC0"/>
-                </a:solidFill>
-                <a:latin typeface="Calibri"/>
-                <a:cs typeface="Calibri"/>
-              </a:rPr>
-              <a:t>2	</a:t>
-            </a:r>
-            <a:r>
-              <a:rPr sz="2400" dirty="0">
-                <a:solidFill>
-                  <a:srgbClr val="2F2F2F"/>
-                </a:solidFill>
-                <a:latin typeface="Calibri"/>
-                <a:cs typeface="Calibri"/>
-              </a:rPr>
-              <a:t>ise</a:t>
-            </a:r>
-            <a:r>
-              <a:rPr sz="2400" spc="-95" dirty="0">
-                <a:solidFill>
-                  <a:srgbClr val="2F2F2F"/>
-                </a:solidFill>
-                <a:latin typeface="Calibri"/>
-                <a:cs typeface="Calibri"/>
-              </a:rPr>
-              <a:t> </a:t>
-            </a:r>
-            <a:r>
-              <a:rPr sz="2400" dirty="0">
-                <a:solidFill>
-                  <a:srgbClr val="2F2F2F"/>
-                </a:solidFill>
-                <a:latin typeface="Calibri"/>
-                <a:cs typeface="Calibri"/>
-              </a:rPr>
-              <a:t>ikinci</a:t>
-            </a:r>
-            <a:endParaRPr sz="2400">
-              <a:latin typeface="Calibri"/>
-              <a:cs typeface="Calibri"/>
-            </a:endParaRPr>
-          </a:p>
-          <a:p>
-            <a:pPr marL="297815">
-              <a:lnSpc>
-                <a:spcPct val="100000"/>
-              </a:lnSpc>
-            </a:pPr>
-            <a:r>
-              <a:rPr sz="2400" b="1" spc="-5" dirty="0">
-                <a:solidFill>
-                  <a:srgbClr val="006FC0"/>
-                </a:solidFill>
-                <a:latin typeface="Symbol"/>
-                <a:cs typeface="Symbol"/>
-              </a:rPr>
-              <a:t></a:t>
-            </a:r>
-            <a:r>
-              <a:rPr sz="2400" b="1" spc="-5" dirty="0">
-                <a:solidFill>
-                  <a:srgbClr val="006FC0"/>
-                </a:solidFill>
-                <a:latin typeface="Calibri"/>
-                <a:cs typeface="Calibri"/>
-              </a:rPr>
-              <a:t>n/2</a:t>
-            </a:r>
-            <a:r>
-              <a:rPr sz="2400" b="1" spc="-5" dirty="0">
-                <a:solidFill>
-                  <a:srgbClr val="006FC0"/>
-                </a:solidFill>
-                <a:latin typeface="Symbol"/>
-                <a:cs typeface="Symbol"/>
-              </a:rPr>
-              <a:t></a:t>
-            </a:r>
-            <a:r>
-              <a:rPr sz="2400" b="1" spc="-5" dirty="0">
-                <a:solidFill>
-                  <a:srgbClr val="006FC0"/>
-                </a:solidFill>
-                <a:latin typeface="Times New Roman"/>
-                <a:cs typeface="Times New Roman"/>
-              </a:rPr>
-              <a:t> </a:t>
-            </a:r>
-            <a:r>
-              <a:rPr sz="2400" dirty="0">
-                <a:solidFill>
-                  <a:srgbClr val="2F2F2F"/>
-                </a:solidFill>
-                <a:latin typeface="Calibri"/>
-                <a:cs typeface="Calibri"/>
-              </a:rPr>
-              <a:t>elemana</a:t>
-            </a:r>
-            <a:r>
-              <a:rPr sz="2400" spc="-70" dirty="0">
-                <a:solidFill>
-                  <a:srgbClr val="2F2F2F"/>
-                </a:solidFill>
-                <a:latin typeface="Calibri"/>
-                <a:cs typeface="Calibri"/>
-              </a:rPr>
-              <a:t> </a:t>
-            </a:r>
-            <a:r>
-              <a:rPr sz="2400" spc="-5" dirty="0">
-                <a:solidFill>
-                  <a:srgbClr val="2F2F2F"/>
-                </a:solidFill>
-                <a:latin typeface="Calibri"/>
-                <a:cs typeface="Calibri"/>
-              </a:rPr>
-              <a:t>sahiptir).</a:t>
-            </a:r>
-            <a:endParaRPr sz="2400">
-              <a:latin typeface="Calibri"/>
-              <a:cs typeface="Calibri"/>
-            </a:endParaRPr>
-          </a:p>
-          <a:p>
-            <a:pPr marL="297815" marR="1020444" indent="-273050">
-              <a:lnSpc>
-                <a:spcPct val="100000"/>
-              </a:lnSpc>
-              <a:spcBef>
-                <a:spcPts val="550"/>
-              </a:spcBef>
-              <a:tabLst>
-                <a:tab pos="2625090" algn="l"/>
-              </a:tabLst>
-            </a:pPr>
-            <a:r>
-              <a:rPr sz="1800" spc="-175" dirty="0">
-                <a:solidFill>
-                  <a:srgbClr val="AC0000"/>
-                </a:solidFill>
-                <a:latin typeface="Wingdings"/>
-                <a:cs typeface="Wingdings"/>
-              </a:rPr>
-              <a:t></a:t>
-            </a:r>
-            <a:r>
-              <a:rPr sz="1800" spc="-175" dirty="0">
-                <a:solidFill>
-                  <a:srgbClr val="AC0000"/>
-                </a:solidFill>
-                <a:latin typeface="Times New Roman"/>
-                <a:cs typeface="Times New Roman"/>
-              </a:rPr>
-              <a:t>  </a:t>
-            </a:r>
-            <a:r>
-              <a:rPr sz="2400" b="1" dirty="0">
-                <a:solidFill>
-                  <a:srgbClr val="FF0000"/>
-                </a:solidFill>
-                <a:latin typeface="Calibri"/>
-                <a:cs typeface="Calibri"/>
-              </a:rPr>
-              <a:t>2. </a:t>
-            </a:r>
-            <a:r>
-              <a:rPr sz="2400" b="1" spc="-10" dirty="0">
-                <a:solidFill>
-                  <a:srgbClr val="FF0000"/>
-                </a:solidFill>
-                <a:latin typeface="Calibri"/>
-                <a:cs typeface="Calibri"/>
-              </a:rPr>
-              <a:t>Fethet: </a:t>
-            </a:r>
-            <a:r>
-              <a:rPr sz="2400" b="1" dirty="0">
-                <a:solidFill>
-                  <a:srgbClr val="006FC0"/>
-                </a:solidFill>
-                <a:latin typeface="Calibri"/>
-                <a:cs typeface="Calibri"/>
-              </a:rPr>
-              <a:t>S</a:t>
-            </a:r>
-            <a:r>
-              <a:rPr sz="2400" b="1" baseline="-20833" dirty="0">
-                <a:solidFill>
-                  <a:srgbClr val="006FC0"/>
-                </a:solidFill>
-                <a:latin typeface="Calibri"/>
-                <a:cs typeface="Calibri"/>
-              </a:rPr>
-              <a:t>1</a:t>
-            </a:r>
-            <a:r>
-              <a:rPr sz="2400" b="1" spc="209" baseline="-20833" dirty="0">
-                <a:solidFill>
-                  <a:srgbClr val="006FC0"/>
-                </a:solidFill>
-                <a:latin typeface="Calibri"/>
-                <a:cs typeface="Calibri"/>
-              </a:rPr>
-              <a:t> </a:t>
-            </a:r>
-            <a:r>
-              <a:rPr sz="2400" spc="-15" dirty="0">
-                <a:solidFill>
-                  <a:srgbClr val="2F2F2F"/>
-                </a:solidFill>
-                <a:latin typeface="Calibri"/>
-                <a:cs typeface="Calibri"/>
-              </a:rPr>
-              <a:t>ve</a:t>
-            </a:r>
-            <a:r>
-              <a:rPr sz="2400" spc="15" dirty="0">
-                <a:solidFill>
-                  <a:srgbClr val="2F2F2F"/>
-                </a:solidFill>
-                <a:latin typeface="Calibri"/>
-                <a:cs typeface="Calibri"/>
-              </a:rPr>
-              <a:t> </a:t>
-            </a:r>
-            <a:r>
-              <a:rPr sz="2400" b="1" dirty="0">
-                <a:solidFill>
-                  <a:srgbClr val="006FC0"/>
-                </a:solidFill>
-                <a:latin typeface="Calibri"/>
-                <a:cs typeface="Calibri"/>
-              </a:rPr>
-              <a:t>S</a:t>
-            </a:r>
-            <a:r>
-              <a:rPr sz="2400" b="1" baseline="-20833" dirty="0">
-                <a:solidFill>
-                  <a:srgbClr val="006FC0"/>
-                </a:solidFill>
-                <a:latin typeface="Calibri"/>
-                <a:cs typeface="Calibri"/>
-              </a:rPr>
-              <a:t>2	</a:t>
-            </a:r>
-            <a:r>
-              <a:rPr sz="2400" spc="-15" dirty="0">
-                <a:solidFill>
-                  <a:srgbClr val="2F2F2F"/>
-                </a:solidFill>
-                <a:latin typeface="Calibri"/>
-                <a:cs typeface="Calibri"/>
-              </a:rPr>
-              <a:t>Merge </a:t>
-            </a:r>
-            <a:r>
-              <a:rPr sz="2400" spc="-5" dirty="0">
-                <a:solidFill>
-                  <a:srgbClr val="2F2F2F"/>
-                </a:solidFill>
-                <a:latin typeface="Calibri"/>
-                <a:cs typeface="Calibri"/>
-              </a:rPr>
-              <a:t>Sort</a:t>
-            </a:r>
-            <a:r>
-              <a:rPr sz="2400" spc="-70" dirty="0">
-                <a:solidFill>
-                  <a:srgbClr val="2F2F2F"/>
-                </a:solidFill>
-                <a:latin typeface="Calibri"/>
-                <a:cs typeface="Calibri"/>
-              </a:rPr>
-              <a:t> </a:t>
-            </a:r>
-            <a:r>
-              <a:rPr sz="2400" spc="-10" dirty="0">
-                <a:solidFill>
-                  <a:srgbClr val="2F2F2F"/>
-                </a:solidFill>
-                <a:latin typeface="Calibri"/>
-                <a:cs typeface="Calibri"/>
-              </a:rPr>
-              <a:t>kullanılarak  </a:t>
-            </a:r>
-            <a:r>
-              <a:rPr sz="2400" spc="-30" dirty="0">
-                <a:solidFill>
-                  <a:srgbClr val="2F2F2F"/>
-                </a:solidFill>
-                <a:latin typeface="Calibri"/>
-                <a:cs typeface="Calibri"/>
-              </a:rPr>
-              <a:t>sıralanır.</a:t>
-            </a:r>
-            <a:endParaRPr sz="2400">
-              <a:latin typeface="Calibri"/>
-              <a:cs typeface="Calibri"/>
-            </a:endParaRPr>
-          </a:p>
-          <a:p>
-            <a:pPr marL="297815" marR="576580" indent="-273050">
-              <a:lnSpc>
-                <a:spcPct val="100000"/>
-              </a:lnSpc>
-              <a:spcBef>
-                <a:spcPts val="580"/>
-              </a:spcBef>
-              <a:tabLst>
-                <a:tab pos="1812925" algn="l"/>
-                <a:tab pos="3024505" algn="l"/>
-              </a:tabLst>
-            </a:pPr>
-            <a:r>
-              <a:rPr sz="1800" spc="-175" dirty="0">
-                <a:solidFill>
-                  <a:srgbClr val="AC0000"/>
-                </a:solidFill>
-                <a:latin typeface="Wingdings"/>
-                <a:cs typeface="Wingdings"/>
-              </a:rPr>
-              <a:t></a:t>
-            </a:r>
-            <a:r>
-              <a:rPr sz="1800" spc="75" dirty="0">
-                <a:solidFill>
-                  <a:srgbClr val="AC0000"/>
-                </a:solidFill>
-                <a:latin typeface="Times New Roman"/>
-                <a:cs typeface="Times New Roman"/>
-              </a:rPr>
-              <a:t> </a:t>
-            </a:r>
-            <a:r>
-              <a:rPr sz="2400" b="1" dirty="0">
-                <a:solidFill>
-                  <a:srgbClr val="FF0000"/>
-                </a:solidFill>
-                <a:latin typeface="Calibri"/>
-                <a:cs typeface="Calibri"/>
-              </a:rPr>
-              <a:t>3. </a:t>
-            </a:r>
-            <a:r>
-              <a:rPr sz="2400" b="1" spc="-10" dirty="0">
-                <a:solidFill>
-                  <a:srgbClr val="FF0000"/>
-                </a:solidFill>
-                <a:latin typeface="Calibri"/>
-                <a:cs typeface="Calibri"/>
-              </a:rPr>
-              <a:t>Birleştir:	</a:t>
-            </a:r>
-            <a:r>
-              <a:rPr sz="2400" b="1" dirty="0">
-                <a:solidFill>
-                  <a:srgbClr val="006FC0"/>
-                </a:solidFill>
-                <a:latin typeface="Calibri"/>
-                <a:cs typeface="Calibri"/>
-              </a:rPr>
-              <a:t>S</a:t>
-            </a:r>
-            <a:r>
-              <a:rPr sz="2400" b="1" baseline="-20833" dirty="0">
-                <a:solidFill>
-                  <a:srgbClr val="006FC0"/>
-                </a:solidFill>
-                <a:latin typeface="Calibri"/>
-                <a:cs typeface="Calibri"/>
-              </a:rPr>
-              <a:t>1</a:t>
-            </a:r>
-            <a:r>
-              <a:rPr sz="2400" b="1" spc="-7" baseline="-20833" dirty="0">
-                <a:solidFill>
-                  <a:srgbClr val="006FC0"/>
-                </a:solidFill>
-                <a:latin typeface="Calibri"/>
-                <a:cs typeface="Calibri"/>
-              </a:rPr>
-              <a:t> </a:t>
-            </a:r>
-            <a:r>
-              <a:rPr sz="2400" dirty="0">
-                <a:solidFill>
-                  <a:srgbClr val="2F2F2F"/>
-                </a:solidFill>
-                <a:latin typeface="Calibri"/>
-                <a:cs typeface="Calibri"/>
-              </a:rPr>
-              <a:t>and</a:t>
-            </a:r>
-            <a:r>
-              <a:rPr sz="2400" spc="-5" dirty="0">
-                <a:solidFill>
-                  <a:srgbClr val="2F2F2F"/>
-                </a:solidFill>
-                <a:latin typeface="Calibri"/>
-                <a:cs typeface="Calibri"/>
-              </a:rPr>
-              <a:t> </a:t>
-            </a:r>
-            <a:r>
-              <a:rPr sz="2400" b="1" dirty="0">
-                <a:solidFill>
-                  <a:srgbClr val="006FC0"/>
-                </a:solidFill>
-                <a:latin typeface="Calibri"/>
-                <a:cs typeface="Calibri"/>
-              </a:rPr>
-              <a:t>S</a:t>
-            </a:r>
-            <a:r>
-              <a:rPr sz="2400" b="1" baseline="-20833" dirty="0">
-                <a:solidFill>
-                  <a:srgbClr val="006FC0"/>
-                </a:solidFill>
-                <a:latin typeface="Calibri"/>
-                <a:cs typeface="Calibri"/>
-              </a:rPr>
-              <a:t>2	</a:t>
-            </a:r>
-            <a:r>
-              <a:rPr sz="2400" dirty="0">
-                <a:solidFill>
-                  <a:srgbClr val="2F2F2F"/>
-                </a:solidFill>
-                <a:latin typeface="Calibri"/>
-                <a:cs typeface="Calibri"/>
-              </a:rPr>
-              <a:t>içindeki </a:t>
-            </a:r>
-            <a:r>
-              <a:rPr sz="2400" spc="-10" dirty="0">
-                <a:solidFill>
-                  <a:srgbClr val="2F2F2F"/>
-                </a:solidFill>
-                <a:latin typeface="Calibri"/>
-                <a:cs typeface="Calibri"/>
-              </a:rPr>
-              <a:t>sıralı</a:t>
-            </a:r>
-            <a:r>
-              <a:rPr sz="2400" spc="-114" dirty="0">
-                <a:solidFill>
-                  <a:srgbClr val="2F2F2F"/>
-                </a:solidFill>
-                <a:latin typeface="Calibri"/>
-                <a:cs typeface="Calibri"/>
-              </a:rPr>
-              <a:t> </a:t>
-            </a:r>
-            <a:r>
-              <a:rPr sz="2400" dirty="0">
-                <a:solidFill>
-                  <a:srgbClr val="2F2F2F"/>
-                </a:solidFill>
-                <a:latin typeface="Calibri"/>
-                <a:cs typeface="Calibri"/>
-              </a:rPr>
-              <a:t>elemanlar  </a:t>
-            </a:r>
-            <a:r>
-              <a:rPr sz="2400" spc="-15" dirty="0">
-                <a:solidFill>
-                  <a:srgbClr val="2F2F2F"/>
-                </a:solidFill>
-                <a:latin typeface="Calibri"/>
-                <a:cs typeface="Calibri"/>
-              </a:rPr>
-              <a:t>tekrar </a:t>
-            </a:r>
-            <a:r>
-              <a:rPr sz="2400" b="1" dirty="0">
-                <a:solidFill>
-                  <a:srgbClr val="006FC0"/>
-                </a:solidFill>
-                <a:latin typeface="Calibri"/>
-                <a:cs typeface="Calibri"/>
-              </a:rPr>
-              <a:t>S </a:t>
-            </a:r>
-            <a:r>
-              <a:rPr sz="2400" dirty="0">
-                <a:solidFill>
-                  <a:srgbClr val="2F2F2F"/>
-                </a:solidFill>
-                <a:latin typeface="Calibri"/>
-                <a:cs typeface="Calibri"/>
-              </a:rPr>
-              <a:t>içerisine </a:t>
-            </a:r>
-            <a:r>
-              <a:rPr sz="2400" spc="-10" dirty="0">
-                <a:solidFill>
-                  <a:srgbClr val="2F2F2F"/>
-                </a:solidFill>
-                <a:latin typeface="Calibri"/>
-                <a:cs typeface="Calibri"/>
-              </a:rPr>
-              <a:t>tek </a:t>
-            </a:r>
-            <a:r>
-              <a:rPr sz="2400" spc="-5" dirty="0">
-                <a:solidFill>
-                  <a:srgbClr val="2F2F2F"/>
-                </a:solidFill>
-                <a:latin typeface="Calibri"/>
-                <a:cs typeface="Calibri"/>
-              </a:rPr>
-              <a:t>bir </a:t>
-            </a:r>
-            <a:r>
-              <a:rPr sz="2400" spc="-10" dirty="0">
-                <a:solidFill>
-                  <a:srgbClr val="2F2F2F"/>
-                </a:solidFill>
-                <a:latin typeface="Calibri"/>
-                <a:cs typeface="Calibri"/>
-              </a:rPr>
-              <a:t>sıralı </a:t>
-            </a:r>
-            <a:r>
-              <a:rPr sz="2400" spc="-5" dirty="0">
-                <a:solidFill>
-                  <a:srgbClr val="2F2F2F"/>
-                </a:solidFill>
-                <a:latin typeface="Calibri"/>
-                <a:cs typeface="Calibri"/>
-              </a:rPr>
-              <a:t>dizi </a:t>
-            </a:r>
-            <a:r>
-              <a:rPr sz="2400" spc="-15" dirty="0">
-                <a:solidFill>
-                  <a:srgbClr val="2F2F2F"/>
-                </a:solidFill>
-                <a:latin typeface="Calibri"/>
-                <a:cs typeface="Calibri"/>
-              </a:rPr>
-              <a:t>oluşturacak  </a:t>
-            </a:r>
-            <a:r>
-              <a:rPr sz="2400" spc="-5" dirty="0">
-                <a:solidFill>
-                  <a:srgbClr val="2F2F2F"/>
-                </a:solidFill>
-                <a:latin typeface="Calibri"/>
-                <a:cs typeface="Calibri"/>
-              </a:rPr>
-              <a:t>şekilde</a:t>
-            </a:r>
-            <a:r>
-              <a:rPr sz="2400" spc="-15" dirty="0">
-                <a:solidFill>
-                  <a:srgbClr val="2F2F2F"/>
-                </a:solidFill>
-                <a:latin typeface="Calibri"/>
-                <a:cs typeface="Calibri"/>
-              </a:rPr>
-              <a:t> </a:t>
-            </a:r>
-            <a:r>
-              <a:rPr sz="2400" spc="-30" dirty="0">
-                <a:solidFill>
-                  <a:srgbClr val="2F2F2F"/>
-                </a:solidFill>
-                <a:latin typeface="Calibri"/>
-                <a:cs typeface="Calibri"/>
-              </a:rPr>
-              <a:t>aktarılır.</a:t>
-            </a:r>
-            <a:endParaRPr sz="2400">
-              <a:latin typeface="Calibri"/>
-              <a:cs typeface="Calibri"/>
-            </a:endParaRPr>
-          </a:p>
-        </p:txBody>
-      </p:sp>
-    </p:spTree>
-  </p:cSld>
-  <p:clrMapOvr>
-    <a:masterClrMapping/>
-  </p:clrMapOvr>
-</p:sld>
-</file>
-
-<file path=ppt/slides/slide5.xml><?xml version="1.0" encoding="utf-8"?>
+<file path=ppt/slides/slide3.xml><?xml version="1.0" encoding="utf-8"?>
 <p:sld xmlns:a="http://schemas.openxmlformats.org/drawingml/2006/main" xmlns:r="http://schemas.openxmlformats.org/officeDocument/2006/relationships" xmlns:p="http://schemas.openxmlformats.org/presentationml/2006/main">
   <p:cSld>
     <p:spTree>
@@ -10890,7 +8469,7 @@
         <p:spPr>
           <a:xfrm>
             <a:off x="1121765" y="860805"/>
-            <a:ext cx="4804410" cy="635000"/>
+            <a:ext cx="4578985" cy="635000"/>
           </a:xfrm>
           <a:prstGeom prst="rect">
             <a:avLst/>
@@ -10911,18 +8490,18 @@
               </a:spcBef>
             </a:pPr>
             <a:r>
+              <a:rPr sz="4000" spc="-5" dirty="0"/>
+              <a:t>Birleştirme</a:t>
+            </a:r>
+            <a:r>
+              <a:rPr sz="4000" spc="-55" dirty="0"/>
+              <a:t> </a:t>
+            </a:r>
+            <a:r>
               <a:rPr sz="4000" spc="-10" dirty="0"/>
-              <a:t>Strassen’in</a:t>
-            </a:r>
-            <a:r>
-              <a:rPr sz="4000" spc="-35" dirty="0"/>
-              <a:t> </a:t>
-            </a:r>
-            <a:r>
-              <a:rPr sz="4000" spc="-5" dirty="0"/>
-              <a:t>algoritması</a:t>
-            </a:r>
-            <a:endParaRPr sz="4000" dirty="0"/>
+              <a:t>sıralaması</a:t>
+            </a:r>
+            <a:endParaRPr sz="4000"/>
           </a:p>
         </p:txBody>
       </p:sp>
@@ -10934,29 +8513,28 @@
         </p:nvSpPr>
         <p:spPr>
           <a:xfrm>
-            <a:off x="1154074" y="2337942"/>
-            <a:ext cx="6908165" cy="3385820"/>
+            <a:off x="1192174" y="1967864"/>
+            <a:ext cx="6554470" cy="1342390"/>
           </a:xfrm>
           <a:prstGeom prst="rect">
             <a:avLst/>
           </a:prstGeom>
         </p:spPr>
         <p:txBody>
-          <a:bodyPr vert="horz" wrap="square" lIns="0" tIns="12700" rIns="0" bIns="0" rtlCol="0">
+          <a:bodyPr vert="horz" wrap="square" lIns="0" tIns="85725" rIns="0" bIns="0" rtlCol="0">
             <a:spAutoFit/>
           </a:bodyPr>
           <a:lstStyle/>
           <a:p>
-            <a:pPr algn="ctr">
+            <a:pPr marL="12700">
               <a:lnSpc>
                 <a:spcPct val="100000"/>
               </a:lnSpc>
               <a:spcBef>
-                <a:spcPts val="100"/>
+                <a:spcPts val="675"/>
               </a:spcBef>
               <a:tabLst>
-                <a:tab pos="6009640" algn="l"/>
-                <a:tab pos="6654165" algn="l"/>
+                <a:tab pos="1798320" algn="l"/>
               </a:tabLst>
             </a:pPr>
             <a:r>
@@ -10970,79 +8548,29 @@
               <a:t></a:t>
             </a:r>
             <a:r>
-              <a:rPr sz="1800" spc="-175" dirty="0">
+              <a:rPr sz="1800" spc="70" dirty="0">
                 <a:solidFill>
                   <a:srgbClr val="AC0000"/>
                 </a:solidFill>
                 <a:latin typeface="Times New Roman"/>
                 <a:cs typeface="Times New Roman"/>
               </a:rPr>
-              <a:t>  </a:t>
-            </a:r>
-            <a:r>
-              <a:rPr sz="2400" b="1" dirty="0">
+              <a:t> </a:t>
+            </a:r>
+            <a:r>
+              <a:rPr sz="2400" spc="-5" dirty="0">
                 <a:solidFill>
                   <a:srgbClr val="FF0000"/>
                 </a:solidFill>
                 <a:latin typeface="Calibri"/>
                 <a:cs typeface="Calibri"/>
               </a:rPr>
-              <a:t>1. Böl: </a:t>
-            </a:r>
-            <a:r>
-              <a:rPr sz="2400" b="1" dirty="0">
-                <a:solidFill>
-                  <a:srgbClr val="006FC0"/>
-                </a:solidFill>
-                <a:latin typeface="Calibri"/>
-                <a:cs typeface="Calibri"/>
-              </a:rPr>
-              <a:t>A </a:t>
-            </a:r>
-            <a:r>
-              <a:rPr sz="2400" spc="-15" dirty="0">
-                <a:solidFill>
-                  <a:srgbClr val="2F2F2F"/>
-                </a:solidFill>
-                <a:latin typeface="Calibri"/>
-                <a:cs typeface="Calibri"/>
-              </a:rPr>
-              <a:t>ve </a:t>
-            </a:r>
-            <a:r>
-              <a:rPr sz="2400" b="1" spc="-5" dirty="0">
-                <a:solidFill>
-                  <a:srgbClr val="006FC0"/>
-                </a:solidFill>
-                <a:latin typeface="Calibri"/>
-                <a:cs typeface="Calibri"/>
-              </a:rPr>
-              <a:t>B</a:t>
-            </a:r>
-            <a:r>
-              <a:rPr sz="2400" spc="-5" dirty="0">
-                <a:solidFill>
-                  <a:srgbClr val="2F2F2F"/>
-                </a:solidFill>
-                <a:latin typeface="Calibri"/>
-                <a:cs typeface="Calibri"/>
-              </a:rPr>
-              <a:t>'yi </a:t>
-            </a:r>
-            <a:r>
-              <a:rPr sz="2400" b="1" spc="-5" dirty="0">
-                <a:solidFill>
-                  <a:srgbClr val="006FC0"/>
-                </a:solidFill>
-                <a:latin typeface="Calibri"/>
-                <a:cs typeface="Calibri"/>
-              </a:rPr>
-              <a:t>(n/2)×(n/2)</a:t>
-            </a:r>
-            <a:r>
-              <a:rPr sz="2400" b="1" spc="30" dirty="0">
-                <a:solidFill>
-                  <a:srgbClr val="006FC0"/>
+              <a:t>1.</a:t>
+            </a:r>
+            <a:r>
+              <a:rPr sz="2400" spc="-10" dirty="0">
+                <a:solidFill>
+                  <a:srgbClr val="FF0000"/>
                 </a:solidFill>
                 <a:latin typeface="Calibri"/>
                 <a:cs typeface="Calibri"/>
@@ -11050,64 +8578,24 @@
               <a:t> </a:t>
             </a:r>
             <a:r>
-              <a:rPr sz="2400" spc="-5" dirty="0">
-                <a:solidFill>
-                  <a:srgbClr val="2F2F2F"/>
+              <a:rPr sz="2400" dirty="0">
+                <a:solidFill>
+                  <a:srgbClr val="FF0000"/>
                 </a:solidFill>
                 <a:latin typeface="Calibri"/>
                 <a:cs typeface="Calibri"/>
               </a:rPr>
-              <a:t>altmatrislere</a:t>
-            </a:r>
-            <a:r>
-              <a:rPr sz="2400" spc="-10" dirty="0">
+              <a:t>Bölmek:	</a:t>
+            </a:r>
+            <a:r>
+              <a:rPr sz="2400" spc="-45" dirty="0">
                 <a:solidFill>
                   <a:srgbClr val="2F2F2F"/>
                 </a:solidFill>
                 <a:latin typeface="Calibri"/>
                 <a:cs typeface="Calibri"/>
               </a:rPr>
-              <a:t> </a:t>
-            </a:r>
-            <a:r>
-              <a:rPr sz="2400" spc="-5" dirty="0">
-                <a:solidFill>
-                  <a:srgbClr val="2F2F2F"/>
-                </a:solidFill>
-                <a:latin typeface="Calibri"/>
-                <a:cs typeface="Calibri"/>
-              </a:rPr>
-              <a:t>böl.	</a:t>
-            </a:r>
-            <a:r>
-              <a:rPr sz="2400" b="1" dirty="0">
-                <a:solidFill>
-                  <a:srgbClr val="006FC0"/>
-                </a:solidFill>
-                <a:latin typeface="Calibri"/>
-                <a:cs typeface="Calibri"/>
-              </a:rPr>
-              <a:t>+ </a:t>
-            </a:r>
-            <a:r>
-              <a:rPr sz="2400" spc="-15" dirty="0">
-                <a:solidFill>
-                  <a:srgbClr val="2F2F2F"/>
-                </a:solidFill>
-                <a:latin typeface="Calibri"/>
-                <a:cs typeface="Calibri"/>
-              </a:rPr>
-              <a:t>ve	</a:t>
-            </a:r>
-            <a:r>
-              <a:rPr sz="2400" b="1" dirty="0">
-                <a:solidFill>
-                  <a:srgbClr val="006FC0"/>
-                </a:solidFill>
-                <a:latin typeface="Calibri"/>
-                <a:cs typeface="Calibri"/>
-              </a:rPr>
-              <a:t>–</a:t>
+              <a:t>Kolay.</a:t>
             </a:r>
             <a:endParaRPr sz="2400">
               <a:latin typeface="Calibri"/>
@@ -11115,98 +8603,7 @@
             </a:endParaRPr>
           </a:p>
           <a:p>
-            <a:pPr marR="248285" algn="ctr">
-              <a:lnSpc>
-                <a:spcPct val="100000"/>
-              </a:lnSpc>
-            </a:pPr>
-            <a:r>
-              <a:rPr sz="2400" spc="-15" dirty="0">
-                <a:solidFill>
-                  <a:srgbClr val="2F2F2F"/>
-                </a:solidFill>
-                <a:latin typeface="Calibri"/>
-                <a:cs typeface="Calibri"/>
-              </a:rPr>
-              <a:t>kullanarak </a:t>
-            </a:r>
-            <a:r>
-              <a:rPr sz="2400" spc="-5" dirty="0">
-                <a:solidFill>
-                  <a:srgbClr val="2F2F2F"/>
-                </a:solidFill>
-                <a:latin typeface="Calibri"/>
-                <a:cs typeface="Calibri"/>
-              </a:rPr>
-              <a:t>çarpılabilecek terimler </a:t>
-            </a:r>
-            <a:r>
-              <a:rPr sz="2400" spc="-40" dirty="0">
-                <a:solidFill>
-                  <a:srgbClr val="2F2F2F"/>
-                </a:solidFill>
-                <a:latin typeface="Calibri"/>
-                <a:cs typeface="Calibri"/>
-              </a:rPr>
-              <a:t>oluştur. </a:t>
-            </a:r>
-            <a:r>
-              <a:rPr sz="2400" dirty="0">
-                <a:solidFill>
-                  <a:srgbClr val="2F2F2F"/>
-                </a:solidFill>
-                <a:latin typeface="Calibri"/>
-                <a:cs typeface="Calibri"/>
-              </a:rPr>
-              <a:t>(</a:t>
-            </a:r>
-            <a:r>
-              <a:rPr sz="2400" b="1" dirty="0">
-                <a:solidFill>
-                  <a:srgbClr val="006FC0"/>
-                </a:solidFill>
-                <a:latin typeface="Calibri"/>
-                <a:cs typeface="Calibri"/>
-              </a:rPr>
-              <a:t>Θ(n</a:t>
-            </a:r>
-            <a:r>
-              <a:rPr sz="2400" b="1" baseline="24305" dirty="0">
-                <a:solidFill>
-                  <a:srgbClr val="006FC0"/>
-                </a:solidFill>
-                <a:latin typeface="Calibri"/>
-                <a:cs typeface="Calibri"/>
-              </a:rPr>
-              <a:t>2</a:t>
-            </a:r>
-            <a:r>
-              <a:rPr sz="2400" b="1" dirty="0">
-                <a:solidFill>
-                  <a:srgbClr val="006FC0"/>
-                </a:solidFill>
-                <a:latin typeface="Calibri"/>
-                <a:cs typeface="Calibri"/>
-              </a:rPr>
-              <a:t>)</a:t>
-            </a:r>
-            <a:r>
-              <a:rPr sz="2400" dirty="0">
-                <a:solidFill>
-                  <a:srgbClr val="2F2F2F"/>
-                </a:solidFill>
-                <a:latin typeface="Calibri"/>
-                <a:cs typeface="Calibri"/>
-              </a:rPr>
-              <a:t>)</a:t>
-            </a:r>
-            <a:endParaRPr sz="2400">
-              <a:latin typeface="Calibri"/>
-              <a:cs typeface="Calibri"/>
-            </a:endParaRPr>
-          </a:p>
-          <a:p>
-            <a:pPr marR="172085" algn="ctr">
+            <a:pPr marL="12700">
               <a:lnSpc>
                 <a:spcPct val="100000"/>
               </a:lnSpc>
@@ -11235,47 +8632,37 @@
               <a:t> </a:t>
             </a:r>
             <a:r>
-              <a:rPr sz="2400" b="1" spc="-5" dirty="0">
+              <a:rPr sz="2400" spc="-5" dirty="0">
                 <a:solidFill>
                   <a:srgbClr val="FF0000"/>
                 </a:solidFill>
                 <a:latin typeface="Calibri"/>
                 <a:cs typeface="Calibri"/>
               </a:rPr>
-              <a:t>2. </a:t>
-            </a:r>
-            <a:r>
-              <a:rPr sz="2400" b="1" spc="-15" dirty="0">
-                <a:solidFill>
-                  <a:srgbClr val="FF0000"/>
+              <a:t>2. Hükmetmek: </a:t>
+            </a:r>
+            <a:r>
+              <a:rPr sz="2400" dirty="0">
+                <a:solidFill>
+                  <a:srgbClr val="2F2F2F"/>
                 </a:solidFill>
                 <a:latin typeface="Calibri"/>
                 <a:cs typeface="Calibri"/>
               </a:rPr>
-              <a:t>Fethet: </a:t>
-            </a:r>
-            <a:r>
-              <a:rPr sz="2400" b="1" spc="-5" dirty="0">
-                <a:solidFill>
-                  <a:srgbClr val="006FC0"/>
+              <a:t>2 alt </a:t>
+            </a:r>
+            <a:r>
+              <a:rPr sz="2400" spc="-5" dirty="0">
+                <a:solidFill>
+                  <a:srgbClr val="2F2F2F"/>
                 </a:solidFill>
                 <a:latin typeface="Calibri"/>
                 <a:cs typeface="Calibri"/>
               </a:rPr>
-              <a:t>(n/2)×(n/2) </a:t>
-            </a:r>
-            <a:r>
-              <a:rPr sz="2400" spc="-5" dirty="0">
-                <a:solidFill>
-                  <a:srgbClr val="2F2F2F"/>
-                </a:solidFill>
-                <a:latin typeface="Calibri"/>
-                <a:cs typeface="Calibri"/>
-              </a:rPr>
-              <a:t>altmatrislerde özyinelemeli</a:t>
-            </a:r>
-            <a:r>
-              <a:rPr sz="2400" spc="-20" dirty="0">
+              <a:t>dizilimi özyinelemeli</a:t>
+            </a:r>
+            <a:r>
+              <a:rPr sz="2400" spc="-100" dirty="0">
                 <a:solidFill>
                   <a:srgbClr val="2F2F2F"/>
                 </a:solidFill>
@@ -11285,14 +8672,14 @@
               <a:t> </a:t>
             </a:r>
             <a:r>
-              <a:rPr sz="2400" b="1" dirty="0">
-                <a:solidFill>
-                  <a:srgbClr val="006FC0"/>
+              <a:rPr sz="2400" spc="-10" dirty="0">
+                <a:solidFill>
+                  <a:srgbClr val="2F2F2F"/>
                 </a:solidFill>
                 <a:latin typeface="Calibri"/>
                 <a:cs typeface="Calibri"/>
               </a:rPr>
-              <a:t>7</a:t>
+              <a:t>sıralama.</a:t>
             </a:r>
             <a:endParaRPr sz="2400">
               <a:latin typeface="Calibri"/>
@@ -11300,133 +8687,56 @@
             </a:endParaRPr>
           </a:p>
           <a:p>
-            <a:pPr marR="2779395" algn="ctr">
+            <a:pPr marL="12700">
               <a:lnSpc>
                 <a:spcPct val="100000"/>
               </a:lnSpc>
+              <a:spcBef>
+                <a:spcPts val="575"/>
+              </a:spcBef>
             </a:pPr>
             <a:r>
+              <a:rPr sz="1800" spc="-175" dirty="0">
+                <a:solidFill>
+                  <a:srgbClr val="AC0000"/>
+                </a:solidFill>
+                <a:latin typeface="Wingdings"/>
+                <a:cs typeface="Wingdings"/>
+              </a:rPr>
+              <a:t></a:t>
+            </a:r>
+            <a:r>
+              <a:rPr sz="1800" spc="-175" dirty="0">
+                <a:solidFill>
+                  <a:srgbClr val="AC0000"/>
+                </a:solidFill>
+                <a:latin typeface="Times New Roman"/>
+                <a:cs typeface="Times New Roman"/>
+              </a:rPr>
+              <a:t> </a:t>
+            </a:r>
+            <a:r>
               <a:rPr sz="2400" spc="-5" dirty="0">
                 <a:solidFill>
-                  <a:srgbClr val="2F2F2F"/>
+                  <a:srgbClr val="FF0000"/>
                 </a:solidFill>
                 <a:latin typeface="Calibri"/>
                 <a:cs typeface="Calibri"/>
               </a:rPr>
-              <a:t>çarpma </a:t>
-            </a:r>
-            <a:r>
-              <a:rPr sz="2400" spc="-15" dirty="0">
+              <a:t>3. Birleştirmek: </a:t>
+            </a:r>
+            <a:r>
+              <a:rPr sz="2400" spc="-10" dirty="0">
                 <a:solidFill>
                   <a:srgbClr val="2F2F2F"/>
                 </a:solidFill>
                 <a:latin typeface="Calibri"/>
                 <a:cs typeface="Calibri"/>
               </a:rPr>
-              <a:t>yap </a:t>
-            </a:r>
-            <a:r>
-              <a:rPr sz="2400" spc="-5" dirty="0">
-                <a:solidFill>
-                  <a:srgbClr val="2F2F2F"/>
-                </a:solidFill>
-                <a:latin typeface="Calibri"/>
-                <a:cs typeface="Calibri"/>
-              </a:rPr>
-              <a:t>(</a:t>
-            </a:r>
-            <a:r>
-              <a:rPr sz="2400" b="1" spc="-5" dirty="0">
-                <a:solidFill>
-                  <a:srgbClr val="006FC0"/>
-                </a:solidFill>
-                <a:latin typeface="Calibri"/>
-                <a:cs typeface="Calibri"/>
-              </a:rPr>
-              <a:t>P</a:t>
-            </a:r>
-            <a:r>
-              <a:rPr sz="2400" b="1" spc="-7" baseline="-20833" dirty="0">
-                <a:solidFill>
-                  <a:srgbClr val="006FC0"/>
-                </a:solidFill>
-                <a:latin typeface="Calibri"/>
-                <a:cs typeface="Calibri"/>
-              </a:rPr>
-              <a:t>1</a:t>
-            </a:r>
-            <a:r>
-              <a:rPr sz="2400" spc="-5" dirty="0">
-                <a:solidFill>
-                  <a:srgbClr val="2F2F2F"/>
-                </a:solidFill>
-                <a:latin typeface="Calibri"/>
-                <a:cs typeface="Calibri"/>
-              </a:rPr>
-              <a:t>, </a:t>
-            </a:r>
-            <a:r>
-              <a:rPr sz="2400" b="1" spc="-10" dirty="0">
-                <a:solidFill>
-                  <a:srgbClr val="006FC0"/>
-                </a:solidFill>
-                <a:latin typeface="Calibri"/>
-                <a:cs typeface="Calibri"/>
-              </a:rPr>
-              <a:t>P</a:t>
-            </a:r>
-            <a:r>
-              <a:rPr sz="2400" b="1" spc="-15" baseline="-20833" dirty="0">
-                <a:solidFill>
-                  <a:srgbClr val="006FC0"/>
-                </a:solidFill>
-                <a:latin typeface="Calibri"/>
-                <a:cs typeface="Calibri"/>
-              </a:rPr>
-              <a:t>2</a:t>
-            </a:r>
-            <a:r>
-              <a:rPr sz="2400" spc="-10" dirty="0">
-                <a:solidFill>
-                  <a:srgbClr val="2F2F2F"/>
-                </a:solidFill>
-                <a:latin typeface="Calibri"/>
-                <a:cs typeface="Calibri"/>
-              </a:rPr>
-              <a:t>, </a:t>
-            </a:r>
-            <a:r>
-              <a:rPr sz="2400" b="1" spc="-10" dirty="0">
-                <a:solidFill>
-                  <a:srgbClr val="006FC0"/>
-                </a:solidFill>
-                <a:latin typeface="Calibri"/>
-                <a:cs typeface="Calibri"/>
-              </a:rPr>
-              <a:t>P</a:t>
-            </a:r>
-            <a:r>
-              <a:rPr sz="2400" b="1" spc="-15" baseline="-20833" dirty="0">
-                <a:solidFill>
-                  <a:srgbClr val="006FC0"/>
-                </a:solidFill>
-                <a:latin typeface="Calibri"/>
-                <a:cs typeface="Calibri"/>
-              </a:rPr>
-              <a:t>3</a:t>
-            </a:r>
-            <a:r>
-              <a:rPr sz="2400" spc="-10" dirty="0">
-                <a:solidFill>
-                  <a:srgbClr val="2F2F2F"/>
-                </a:solidFill>
-                <a:latin typeface="Calibri"/>
-                <a:cs typeface="Calibri"/>
-              </a:rPr>
-              <a:t>,</a:t>
-            </a:r>
-            <a:r>
-              <a:rPr sz="2400" spc="5" dirty="0">
+              <a:t>Doğrusal-zamanda</a:t>
+            </a:r>
+            <a:r>
+              <a:rPr sz="2400" spc="-65" dirty="0">
                 <a:solidFill>
                   <a:srgbClr val="2F2F2F"/>
                 </a:solidFill>
@@ -11436,390 +8746,16 @@
               <a:t> </a:t>
             </a:r>
             <a:r>
-              <a:rPr sz="2400" b="1" spc="-10" dirty="0">
-                <a:solidFill>
-                  <a:srgbClr val="006FC0"/>
+              <a:rPr sz="2400" spc="-5" dirty="0">
+                <a:solidFill>
+                  <a:srgbClr val="2F2F2F"/>
                 </a:solidFill>
                 <a:latin typeface="Calibri"/>
                 <a:cs typeface="Calibri"/>
               </a:rPr>
-              <a:t>…P</a:t>
-            </a:r>
-            <a:r>
-              <a:rPr sz="2400" b="1" spc="-15" baseline="-20833" dirty="0">
-                <a:solidFill>
-                  <a:srgbClr val="006FC0"/>
-                </a:solidFill>
-                <a:latin typeface="Calibri"/>
-                <a:cs typeface="Calibri"/>
-              </a:rPr>
-              <a:t>7</a:t>
-            </a:r>
-            <a:r>
-              <a:rPr sz="2400" spc="-10" dirty="0">
-                <a:solidFill>
-                  <a:srgbClr val="2F2F2F"/>
-                </a:solidFill>
-                <a:latin typeface="Calibri"/>
-                <a:cs typeface="Calibri"/>
-              </a:rPr>
-              <a:t>.)</a:t>
+              <a:t>birleştirme.</a:t>
             </a:r>
             <a:endParaRPr sz="2400">
-              <a:latin typeface="Calibri"/>
-              <a:cs typeface="Calibri"/>
-            </a:endParaRPr>
-          </a:p>
-          <a:p>
-            <a:pPr marR="1378585" algn="ctr">
-              <a:lnSpc>
-                <a:spcPct val="100000"/>
-              </a:lnSpc>
-              <a:spcBef>
-                <a:spcPts val="580"/>
-              </a:spcBef>
-              <a:tabLst>
-                <a:tab pos="1787525" algn="l"/>
-                <a:tab pos="2651760" algn="l"/>
-              </a:tabLst>
-            </a:pPr>
-            <a:r>
-              <a:rPr sz="1800" spc="-175" dirty="0">
-                <a:solidFill>
-                  <a:srgbClr val="AC0000"/>
-                </a:solidFill>
-                <a:latin typeface="Wingdings"/>
-                <a:cs typeface="Wingdings"/>
-              </a:rPr>
-              <a:t></a:t>
-            </a:r>
-            <a:r>
-              <a:rPr sz="1800" spc="75" dirty="0">
-                <a:solidFill>
-                  <a:srgbClr val="AC0000"/>
-                </a:solidFill>
-                <a:latin typeface="Times New Roman"/>
-                <a:cs typeface="Times New Roman"/>
-              </a:rPr>
-              <a:t> </a:t>
-            </a:r>
-            <a:r>
-              <a:rPr sz="2400" b="1" dirty="0">
-                <a:solidFill>
-                  <a:srgbClr val="FF0000"/>
-                </a:solidFill>
-                <a:latin typeface="Calibri"/>
-                <a:cs typeface="Calibri"/>
-              </a:rPr>
-              <a:t>3. </a:t>
-            </a:r>
-            <a:r>
-              <a:rPr sz="2400" b="1" spc="-10" dirty="0">
-                <a:solidFill>
-                  <a:srgbClr val="FF0000"/>
-                </a:solidFill>
-                <a:latin typeface="Calibri"/>
-                <a:cs typeface="Calibri"/>
-              </a:rPr>
-              <a:t>Birleştir:	</a:t>
-            </a:r>
-            <a:r>
-              <a:rPr sz="2400" b="1" dirty="0">
-                <a:solidFill>
-                  <a:srgbClr val="006FC0"/>
-                </a:solidFill>
-                <a:latin typeface="Calibri"/>
-                <a:cs typeface="Calibri"/>
-              </a:rPr>
-              <a:t>+</a:t>
-            </a:r>
-            <a:r>
-              <a:rPr sz="2400" b="1" spc="-10" dirty="0">
-                <a:solidFill>
-                  <a:srgbClr val="006FC0"/>
-                </a:solidFill>
-                <a:latin typeface="Calibri"/>
-                <a:cs typeface="Calibri"/>
-              </a:rPr>
-              <a:t> </a:t>
-            </a:r>
-            <a:r>
-              <a:rPr sz="2400" spc="-15" dirty="0">
-                <a:solidFill>
-                  <a:srgbClr val="2F2F2F"/>
-                </a:solidFill>
-                <a:latin typeface="Calibri"/>
-                <a:cs typeface="Calibri"/>
-              </a:rPr>
-              <a:t>ve</a:t>
-            </a:r>
-            <a:r>
-              <a:rPr sz="2400" spc="15" dirty="0">
-                <a:solidFill>
-                  <a:srgbClr val="2F2F2F"/>
-                </a:solidFill>
-                <a:latin typeface="Calibri"/>
-                <a:cs typeface="Calibri"/>
-              </a:rPr>
-              <a:t> </a:t>
-            </a:r>
-            <a:r>
-              <a:rPr sz="2400" b="1" dirty="0">
-                <a:solidFill>
-                  <a:srgbClr val="006FC0"/>
-                </a:solidFill>
-                <a:latin typeface="Calibri"/>
-                <a:cs typeface="Calibri"/>
-              </a:rPr>
-              <a:t>–	</a:t>
-            </a:r>
-            <a:r>
-              <a:rPr sz="2400" spc="-15" dirty="0">
-                <a:solidFill>
-                  <a:srgbClr val="2F2F2F"/>
-                </a:solidFill>
-                <a:latin typeface="Calibri"/>
-                <a:cs typeface="Calibri"/>
-              </a:rPr>
-              <a:t>kullanarak</a:t>
-            </a:r>
-            <a:r>
-              <a:rPr sz="2400" spc="-25" dirty="0">
-                <a:solidFill>
-                  <a:srgbClr val="2F2F2F"/>
-                </a:solidFill>
-                <a:latin typeface="Calibri"/>
-                <a:cs typeface="Calibri"/>
-              </a:rPr>
-              <a:t> </a:t>
-            </a:r>
-            <a:r>
-              <a:rPr sz="2400" b="1" spc="-5" dirty="0">
-                <a:solidFill>
-                  <a:srgbClr val="006FC0"/>
-                </a:solidFill>
-                <a:latin typeface="Calibri"/>
-                <a:cs typeface="Calibri"/>
-              </a:rPr>
-              <a:t>(n/2)×(n/2)</a:t>
-            </a:r>
-            <a:endParaRPr sz="2400">
-              <a:latin typeface="Calibri"/>
-              <a:cs typeface="Calibri"/>
-            </a:endParaRPr>
-          </a:p>
-          <a:p>
-            <a:pPr marR="2040255" algn="ctr">
-              <a:lnSpc>
-                <a:spcPct val="100000"/>
-              </a:lnSpc>
-            </a:pPr>
-            <a:r>
-              <a:rPr sz="2400" spc="-5" dirty="0">
-                <a:solidFill>
-                  <a:srgbClr val="2F2F2F"/>
-                </a:solidFill>
-                <a:latin typeface="Calibri"/>
-                <a:cs typeface="Calibri"/>
-              </a:rPr>
-              <a:t>altmatrislerde </a:t>
-            </a:r>
-            <a:r>
-              <a:rPr sz="2400" b="1" dirty="0">
-                <a:solidFill>
-                  <a:srgbClr val="006FC0"/>
-                </a:solidFill>
-                <a:latin typeface="Calibri"/>
-                <a:cs typeface="Calibri"/>
-              </a:rPr>
-              <a:t>C </a:t>
-            </a:r>
-            <a:r>
-              <a:rPr sz="2400" dirty="0">
-                <a:solidFill>
-                  <a:srgbClr val="2F2F2F"/>
-                </a:solidFill>
-                <a:latin typeface="Calibri"/>
-                <a:cs typeface="Calibri"/>
-              </a:rPr>
-              <a:t>'yi </a:t>
-            </a:r>
-            <a:r>
-              <a:rPr sz="2400" spc="-40" dirty="0">
-                <a:solidFill>
-                  <a:srgbClr val="2F2F2F"/>
-                </a:solidFill>
-                <a:latin typeface="Calibri"/>
-                <a:cs typeface="Calibri"/>
-              </a:rPr>
-              <a:t>oluştur.</a:t>
-            </a:r>
-            <a:r>
-              <a:rPr sz="2400" spc="-75" dirty="0">
-                <a:solidFill>
-                  <a:srgbClr val="2F2F2F"/>
-                </a:solidFill>
-                <a:latin typeface="Calibri"/>
-                <a:cs typeface="Calibri"/>
-              </a:rPr>
-              <a:t> </a:t>
-            </a:r>
-            <a:r>
-              <a:rPr sz="2400" spc="-5" dirty="0">
-                <a:solidFill>
-                  <a:srgbClr val="2F2F2F"/>
-                </a:solidFill>
-                <a:latin typeface="Calibri"/>
-                <a:cs typeface="Calibri"/>
-              </a:rPr>
-              <a:t>(</a:t>
-            </a:r>
-            <a:r>
-              <a:rPr sz="2400" b="1" spc="-5" dirty="0">
-                <a:solidFill>
-                  <a:srgbClr val="006FC0"/>
-                </a:solidFill>
-                <a:latin typeface="Calibri"/>
-                <a:cs typeface="Calibri"/>
-              </a:rPr>
-              <a:t>Θ(n</a:t>
-            </a:r>
-            <a:r>
-              <a:rPr sz="2400" b="1" spc="-7" baseline="24305" dirty="0">
-                <a:solidFill>
-                  <a:srgbClr val="006FC0"/>
-                </a:solidFill>
-                <a:latin typeface="Calibri"/>
-                <a:cs typeface="Calibri"/>
-              </a:rPr>
-              <a:t>2</a:t>
-            </a:r>
-            <a:r>
-              <a:rPr sz="2400" b="1" spc="-5" dirty="0">
-                <a:solidFill>
-                  <a:srgbClr val="006FC0"/>
-                </a:solidFill>
-                <a:latin typeface="Calibri"/>
-                <a:cs typeface="Calibri"/>
-              </a:rPr>
-              <a:t>)</a:t>
-            </a:r>
-            <a:r>
-              <a:rPr sz="2400" spc="-5" dirty="0">
-                <a:solidFill>
-                  <a:srgbClr val="2F2F2F"/>
-                </a:solidFill>
-                <a:latin typeface="Calibri"/>
-                <a:cs typeface="Calibri"/>
-              </a:rPr>
-              <a:t>)</a:t>
-            </a:r>
-            <a:endParaRPr sz="2400">
-              <a:latin typeface="Calibri"/>
-              <a:cs typeface="Calibri"/>
-            </a:endParaRPr>
-          </a:p>
-          <a:p>
-            <a:pPr>
-              <a:lnSpc>
-                <a:spcPct val="100000"/>
-              </a:lnSpc>
-              <a:spcBef>
-                <a:spcPts val="30"/>
-              </a:spcBef>
-            </a:pPr>
-            <a:endParaRPr sz="3400">
-              <a:latin typeface="Calibri"/>
-              <a:cs typeface="Calibri"/>
-            </a:endParaRPr>
-          </a:p>
-          <a:p>
-            <a:pPr marL="3175" algn="ctr">
-              <a:lnSpc>
-                <a:spcPct val="100000"/>
-              </a:lnSpc>
-            </a:pPr>
-            <a:r>
-              <a:rPr sz="3200" b="1" spc="-5" dirty="0">
-                <a:solidFill>
-                  <a:srgbClr val="006FC0"/>
-                </a:solidFill>
-                <a:latin typeface="Calibri"/>
-                <a:cs typeface="Calibri"/>
-              </a:rPr>
-              <a:t>T(n) </a:t>
-            </a:r>
-            <a:r>
-              <a:rPr sz="3200" b="1" dirty="0">
-                <a:solidFill>
-                  <a:srgbClr val="006FC0"/>
-                </a:solidFill>
-                <a:latin typeface="Calibri"/>
-                <a:cs typeface="Calibri"/>
-              </a:rPr>
-              <a:t>= 7 </a:t>
-            </a:r>
-            <a:r>
-              <a:rPr sz="3200" b="1" spc="-5" dirty="0">
-                <a:solidFill>
-                  <a:srgbClr val="006FC0"/>
-                </a:solidFill>
-                <a:latin typeface="Calibri"/>
-                <a:cs typeface="Calibri"/>
-              </a:rPr>
-              <a:t>T(n/2) </a:t>
-            </a:r>
-            <a:r>
-              <a:rPr sz="3200" b="1" dirty="0">
-                <a:solidFill>
-                  <a:srgbClr val="006FC0"/>
-                </a:solidFill>
-                <a:latin typeface="Calibri"/>
-                <a:cs typeface="Calibri"/>
-              </a:rPr>
-              <a:t>+</a:t>
-            </a:r>
-            <a:r>
-              <a:rPr sz="3200" b="1" spc="15" dirty="0">
-                <a:solidFill>
-                  <a:srgbClr val="006FC0"/>
-                </a:solidFill>
-                <a:latin typeface="Calibri"/>
-                <a:cs typeface="Calibri"/>
-              </a:rPr>
-              <a:t> </a:t>
-            </a:r>
-            <a:r>
-              <a:rPr sz="3200" b="1" dirty="0">
-                <a:solidFill>
-                  <a:srgbClr val="006FC0"/>
-                </a:solidFill>
-                <a:latin typeface="Calibri"/>
-                <a:cs typeface="Calibri"/>
-              </a:rPr>
-              <a:t>Θ(n</a:t>
-            </a:r>
-            <a:r>
-              <a:rPr sz="3150" b="1" baseline="25132" dirty="0">
-                <a:solidFill>
-                  <a:srgbClr val="006FC0"/>
-                </a:solidFill>
-                <a:latin typeface="Calibri"/>
-                <a:cs typeface="Calibri"/>
-              </a:rPr>
-              <a:t>2</a:t>
-            </a:r>
-            <a:r>
-              <a:rPr sz="3200" b="1" dirty="0">
-                <a:solidFill>
-                  <a:srgbClr val="006FC0"/>
-                </a:solidFill>
-                <a:latin typeface="Calibri"/>
-                <a:cs typeface="Calibri"/>
-              </a:rPr>
-              <a:t>)</a:t>
-            </a:r>
-            <a:endParaRPr sz="3200">
               <a:latin typeface="Calibri"/>
               <a:cs typeface="Calibri"/>
             </a:endParaRPr>
@@ -11863,7 +8799,7 @@
                 <a:latin typeface="Arial"/>
                 <a:cs typeface="Arial"/>
               </a:rPr>
-              <a:t>59</a:t>
+              <a:t>43</a:t>
             </a:r>
             <a:endParaRPr sz="1200">
               <a:latin typeface="Arial"/>
@@ -11872,35 +8808,79 @@
           </a:p>
         </p:txBody>
       </p:sp>
-      <p:sp>
-        <p:nvSpPr>
+      <p:grpSp>
+        <p:nvGrpSpPr>
           <p:cNvPr id="5" name="object 5"/>
-          <p:cNvSpPr/>
+          <p:cNvGrpSpPr/>
           <p:nvPr/>
-        </p:nvSpPr>
-        <p:spPr>
+        </p:nvGrpSpPr>
+        <p:grpSpPr>
           <a:xfrm>
-            <a:off x="7525511" y="832103"/>
-            <a:ext cx="1161288" cy="1190244"/>
+            <a:off x="1373124" y="836675"/>
+            <a:ext cx="6954520" cy="4930140"/>
+            <a:chOff x="1373124" y="836675"/>
+            <a:chExt cx="6954520" cy="4930140"/>
           </a:xfrm>
-          <a:prstGeom prst="rect">
-            <a:avLst/>
-          </a:prstGeom>
-          <a:blipFill>
-            <a:blip r:embed="rId3" cstate="print"/>
-            <a:stretch>
-              <a:fillRect/>
-            </a:stretch>
-          </a:blipFill>
-        </p:spPr>
-        <p:txBody>
-          <a:bodyPr wrap="square" lIns="0" tIns="0" rIns="0" bIns="0" rtlCol="0"/>
-          <a:lstStyle/>
-          <a:p>
-            <a:endParaRPr/>
-          </a:p>
-        </p:txBody>
-      </p:sp>
+        </p:grpSpPr>
+        <p:sp>
+          <p:nvSpPr>
+            <p:cNvPr id="6" name="object 6"/>
+            <p:cNvSpPr/>
+            <p:nvPr/>
+          </p:nvSpPr>
+          <p:spPr>
+            <a:xfrm>
+              <a:off x="7164324" y="836675"/>
+              <a:ext cx="1162812" cy="1190244"/>
+            </a:xfrm>
+            <a:prstGeom prst="rect">
+              <a:avLst/>
+            </a:prstGeom>
+            <a:blipFill>
+              <a:blip r:embed="rId3" cstate="print"/>
+              <a:stretch>
+                <a:fillRect/>
+              </a:stretch>
+            </a:blipFill>
+          </p:spPr>
+          <p:txBody>
+            <a:bodyPr wrap="square" lIns="0" tIns="0" rIns="0" bIns="0" rtlCol="0"/>
+            <a:lstStyle/>
+            <a:p>
+              <a:endParaRPr/>
+            </a:p>
+          </p:txBody>
+        </p:sp>
+        <p:sp>
+          <p:nvSpPr>
+            <p:cNvPr id="7" name="object 7"/>
+            <p:cNvSpPr/>
+            <p:nvPr/>
+          </p:nvSpPr>
+          <p:spPr>
+            <a:xfrm>
+              <a:off x="1373124" y="3788663"/>
+              <a:ext cx="6371844" cy="1978152"/>
+            </a:xfrm>
+            <a:prstGeom prst="rect">
+              <a:avLst/>
+            </a:prstGeom>
+            <a:blipFill>
+              <a:blip r:embed="rId4" cstate="print"/>
+              <a:stretch>
+                <a:fillRect/>
+              </a:stretch>
+            </a:blipFill>
+          </p:spPr>
+          <p:txBody>
+            <a:bodyPr wrap="square" lIns="0" tIns="0" rIns="0" bIns="0" rtlCol="0"/>
+            <a:lstStyle/>
+            <a:p>
+              <a:endParaRPr/>
+            </a:p>
+          </p:txBody>
+        </p:sp>
+      </p:grpSp>
     </p:spTree>
   </p:cSld>
   <p:clrMapOvr>
@@ -11909,7 +8889,7 @@
 </p:sld>
 </file>
 
-<file path=ppt/slides/slide6.xml><?xml version="1.0" encoding="utf-8"?>
+<file path=ppt/slides/slide4.xml><?xml version="1.0" encoding="utf-8"?>
 <p:sld xmlns:a="http://schemas.openxmlformats.org/drawingml/2006/main" xmlns:r="http://schemas.openxmlformats.org/officeDocument/2006/relationships" xmlns:p="http://schemas.openxmlformats.org/presentationml/2006/main">
   <p:cSld>
     <p:spTree>
@@ -12762,7 +9742,7 @@
 </p:sld>
 </file>
 
-<file path=ppt/slides/slide7.xml><?xml version="1.0" encoding="utf-8"?>
+<file path=ppt/slides/slide5.xml><?xml version="1.0" encoding="utf-8"?>
 <p:sld xmlns:a="http://schemas.openxmlformats.org/drawingml/2006/main" xmlns:r="http://schemas.openxmlformats.org/officeDocument/2006/relationships" xmlns:p="http://schemas.openxmlformats.org/presentationml/2006/main">
   <p:cSld>
     <p:spTree>
@@ -13135,7 +10115,7 @@
 </p:sld>
 </file>
 
-<file path=ppt/slides/slide8.xml><?xml version="1.0" encoding="utf-8"?>
+<file path=ppt/slides/slide6.xml><?xml version="1.0" encoding="utf-8"?>
 <p:sld xmlns:a="http://schemas.openxmlformats.org/drawingml/2006/main" xmlns:r="http://schemas.openxmlformats.org/officeDocument/2006/relationships" xmlns:p="http://schemas.openxmlformats.org/presentationml/2006/main" showMasterSp="0">
   <p:cSld>
     <p:spTree>
